--- a/Aula05-Navegação entre Telas/Aula05-Navegação entre Telas.pptx
+++ b/Aula05-Navegação entre Telas/Aula05-Navegação entre Telas.pptx
@@ -23,27 +23,21 @@
   <p:notesSz cx="6858000" cy="9144000"/>
   <p:embeddedFontLst>
     <p:embeddedFont>
-      <p:font typeface="Poppins Bold" panose="020B0604020202020204" charset="0"/>
+      <p:font typeface="Lato" panose="020F0502020204030203" pitchFamily="34" charset="0"/>
       <p:regular r:id="rId15"/>
+      <p:bold r:id="rId16"/>
     </p:embeddedFont>
     <p:embeddedFont>
-      <p:font typeface="Lato Bold" panose="020B0604020202020204" charset="0"/>
-      <p:regular r:id="rId16"/>
+      <p:font typeface="Lato Bold" panose="020F0502020204030203" charset="0"/>
+      <p:regular r:id="rId17"/>
+    </p:embeddedFont>
+    <p:embeddedFont>
+      <p:font typeface="Poppins Bold" panose="020B0604020202020204" charset="0"/>
+      <p:regular r:id="rId18"/>
     </p:embeddedFont>
     <p:embeddedFont>
       <p:font typeface="Poppins Ultra-Bold" panose="020B0604020202020204" charset="0"/>
-      <p:regular r:id="rId17"/>
-    </p:embeddedFont>
-    <p:embeddedFont>
-      <p:font typeface="Lato" panose="020B0604020202020204" charset="0"/>
-      <p:regular r:id="rId18"/>
-    </p:embeddedFont>
-    <p:embeddedFont>
-      <p:font typeface="Calibri" panose="020F0502020204030204" pitchFamily="34" charset="0"/>
       <p:regular r:id="rId19"/>
-      <p:bold r:id="rId20"/>
-      <p:italic r:id="rId21"/>
-      <p:boldItalic r:id="rId22"/>
     </p:embeddedFont>
   </p:embeddedFontLst>
   <p:defaultTextStyle>
@@ -340,7 +334,7 @@
             <a:fld id="{1D8BD707-D9CF-40AE-B4C6-C98DA3205C09}" type="datetimeFigureOut">
               <a:rPr lang="en-US" smtClean="0"/>
               <a:pPr/>
-              <a:t>3/16/2024</a:t>
+              <a:t>11/24/2025</a:t>
             </a:fld>
             <a:endParaRPr lang="en-US"/>
           </a:p>
@@ -505,7 +499,7 @@
             <a:fld id="{1D8BD707-D9CF-40AE-B4C6-C98DA3205C09}" type="datetimeFigureOut">
               <a:rPr lang="en-US" smtClean="0"/>
               <a:pPr/>
-              <a:t>3/16/2024</a:t>
+              <a:t>11/24/2025</a:t>
             </a:fld>
             <a:endParaRPr lang="en-US"/>
           </a:p>
@@ -680,7 +674,7 @@
             <a:fld id="{1D8BD707-D9CF-40AE-B4C6-C98DA3205C09}" type="datetimeFigureOut">
               <a:rPr lang="en-US" smtClean="0"/>
               <a:pPr/>
-              <a:t>3/16/2024</a:t>
+              <a:t>11/24/2025</a:t>
             </a:fld>
             <a:endParaRPr lang="en-US"/>
           </a:p>
@@ -845,7 +839,7 @@
             <a:fld id="{1D8BD707-D9CF-40AE-B4C6-C98DA3205C09}" type="datetimeFigureOut">
               <a:rPr lang="en-US" smtClean="0"/>
               <a:pPr/>
-              <a:t>3/16/2024</a:t>
+              <a:t>11/24/2025</a:t>
             </a:fld>
             <a:endParaRPr lang="en-US"/>
           </a:p>
@@ -1087,7 +1081,7 @@
             <a:fld id="{1D8BD707-D9CF-40AE-B4C6-C98DA3205C09}" type="datetimeFigureOut">
               <a:rPr lang="en-US" smtClean="0"/>
               <a:pPr/>
-              <a:t>3/16/2024</a:t>
+              <a:t>11/24/2025</a:t>
             </a:fld>
             <a:endParaRPr lang="en-US"/>
           </a:p>
@@ -1369,7 +1363,7 @@
             <a:fld id="{1D8BD707-D9CF-40AE-B4C6-C98DA3205C09}" type="datetimeFigureOut">
               <a:rPr lang="en-US" smtClean="0"/>
               <a:pPr/>
-              <a:t>3/16/2024</a:t>
+              <a:t>11/24/2025</a:t>
             </a:fld>
             <a:endParaRPr lang="en-US"/>
           </a:p>
@@ -1785,7 +1779,7 @@
             <a:fld id="{1D8BD707-D9CF-40AE-B4C6-C98DA3205C09}" type="datetimeFigureOut">
               <a:rPr lang="en-US" smtClean="0"/>
               <a:pPr/>
-              <a:t>3/16/2024</a:t>
+              <a:t>11/24/2025</a:t>
             </a:fld>
             <a:endParaRPr lang="en-US"/>
           </a:p>
@@ -1899,7 +1893,7 @@
             <a:fld id="{1D8BD707-D9CF-40AE-B4C6-C98DA3205C09}" type="datetimeFigureOut">
               <a:rPr lang="en-US" smtClean="0"/>
               <a:pPr/>
-              <a:t>3/16/2024</a:t>
+              <a:t>11/24/2025</a:t>
             </a:fld>
             <a:endParaRPr lang="en-US"/>
           </a:p>
@@ -1991,7 +1985,7 @@
             <a:fld id="{1D8BD707-D9CF-40AE-B4C6-C98DA3205C09}" type="datetimeFigureOut">
               <a:rPr lang="en-US" smtClean="0"/>
               <a:pPr/>
-              <a:t>3/16/2024</a:t>
+              <a:t>11/24/2025</a:t>
             </a:fld>
             <a:endParaRPr lang="en-US"/>
           </a:p>
@@ -2263,7 +2257,7 @@
             <a:fld id="{1D8BD707-D9CF-40AE-B4C6-C98DA3205C09}" type="datetimeFigureOut">
               <a:rPr lang="en-US" smtClean="0"/>
               <a:pPr/>
-              <a:t>3/16/2024</a:t>
+              <a:t>11/24/2025</a:t>
             </a:fld>
             <a:endParaRPr lang="en-US"/>
           </a:p>
@@ -2512,7 +2506,7 @@
             <a:fld id="{1D8BD707-D9CF-40AE-B4C6-C98DA3205C09}" type="datetimeFigureOut">
               <a:rPr lang="en-US" smtClean="0"/>
               <a:pPr/>
-              <a:t>3/16/2024</a:t>
+              <a:t>11/24/2025</a:t>
             </a:fld>
             <a:endParaRPr lang="en-US"/>
           </a:p>
@@ -2720,7 +2714,7 @@
             <a:fld id="{1D8BD707-D9CF-40AE-B4C6-C98DA3205C09}" type="datetimeFigureOut">
               <a:rPr lang="en-US" smtClean="0"/>
               <a:pPr/>
-              <a:t>3/16/2024</a:t>
+              <a:t>11/24/2025</a:t>
             </a:fld>
             <a:endParaRPr lang="en-US"/>
           </a:p>
@@ -3144,6 +3138,13 @@
               <a:srgbClr val="5271FF"/>
             </a:solidFill>
           </p:spPr>
+          <p:txBody>
+            <a:bodyPr/>
+            <a:lstStyle/>
+            <a:p>
+              <a:endParaRPr lang="pt-BR"/>
+            </a:p>
+          </p:txBody>
         </p:sp>
       </p:grpSp>
       <p:grpSp>
@@ -3218,6 +3219,13 @@
               <a:srgbClr val="FFFFFF"/>
             </a:solidFill>
           </p:spPr>
+          <p:txBody>
+            <a:bodyPr/>
+            <a:lstStyle/>
+            <a:p>
+              <a:endParaRPr lang="pt-BR"/>
+            </a:p>
+          </p:txBody>
         </p:sp>
       </p:grpSp>
       <p:grpSp>
@@ -3292,6 +3300,13 @@
               <a:srgbClr val="2B4A9D"/>
             </a:solidFill>
           </p:spPr>
+          <p:txBody>
+            <a:bodyPr/>
+            <a:lstStyle/>
+            <a:p>
+              <a:endParaRPr lang="pt-BR"/>
+            </a:p>
+          </p:txBody>
         </p:sp>
       </p:grpSp>
       <p:sp>
@@ -3321,7 +3336,7 @@
               </a:lnSpc>
             </a:pPr>
             <a:r>
-              <a:rPr lang="pt-BR" sz="6000" spc="600" dirty="0" smtClean="0">
+              <a:rPr lang="pt-BR" sz="6000" spc="600" dirty="0">
                 <a:solidFill>
                   <a:srgbClr val="2B4A9D"/>
                 </a:solidFill>
@@ -3347,7 +3362,7 @@
         <p:spPr>
           <a:xfrm>
             <a:off x="814372" y="7555634"/>
-            <a:ext cx="11682427" cy="628377"/>
+            <a:ext cx="11682427" cy="3080395"/>
           </a:xfrm>
           <a:prstGeom prst="rect">
             <a:avLst/>
@@ -3365,7 +3380,7 @@
               </a:lnSpc>
             </a:pPr>
             <a:r>
-              <a:rPr lang="en-US" sz="3500" spc="350" dirty="0" err="1" smtClean="0">
+              <a:rPr lang="en-US" sz="3500" spc="350" dirty="0" err="1">
                 <a:solidFill>
                   <a:srgbClr val="000000"/>
                 </a:solidFill>
@@ -3374,7 +3389,7 @@
               <a:t>Apresentado</a:t>
             </a:r>
             <a:r>
-              <a:rPr lang="en-US" sz="3500" spc="350" dirty="0" smtClean="0">
+              <a:rPr lang="en-US" sz="3500" spc="350" dirty="0">
                 <a:solidFill>
                   <a:srgbClr val="000000"/>
                 </a:solidFill>
@@ -3383,7 +3398,7 @@
               <a:t> </a:t>
             </a:r>
             <a:r>
-              <a:rPr lang="en-US" sz="3500" spc="350" dirty="0" err="1" smtClean="0">
+              <a:rPr lang="en-US" sz="3500" spc="350" dirty="0" err="1">
                 <a:solidFill>
                   <a:srgbClr val="000000"/>
                 </a:solidFill>
@@ -3392,14 +3407,43 @@
               <a:t>por</a:t>
             </a:r>
             <a:r>
-              <a:rPr lang="en-US" sz="3500" spc="350" dirty="0" smtClean="0">
+              <a:rPr lang="en-US" sz="3500" spc="350" dirty="0">
                 <a:solidFill>
                   <a:srgbClr val="000000"/>
                 </a:solidFill>
                 <a:latin typeface="Lato"/>
               </a:rPr>
-              <a:t>: </a:t>
-            </a:r>
+              <a:t>:</a:t>
+            </a:r>
+          </a:p>
+          <a:p>
+            <a:pPr>
+              <a:lnSpc>
+                <a:spcPts val="4900"/>
+              </a:lnSpc>
+            </a:pPr>
+            <a:r>
+              <a:rPr lang="en-US" sz="3500" spc="350">
+                <a:solidFill>
+                  <a:srgbClr val="000000"/>
+                </a:solidFill>
+                <a:latin typeface="Lato"/>
+              </a:rPr>
+              <a:t>Paulo Vitor</a:t>
+            </a:r>
+            <a:endParaRPr lang="en-US" sz="3500" spc="350" dirty="0">
+              <a:solidFill>
+                <a:srgbClr val="000000"/>
+              </a:solidFill>
+              <a:latin typeface="Lato"/>
+            </a:endParaRPr>
+          </a:p>
+          <a:p>
+            <a:pPr>
+              <a:lnSpc>
+                <a:spcPts val="4900"/>
+              </a:lnSpc>
+            </a:pPr>
             <a:r>
               <a:rPr lang="en-US" sz="3500" spc="350" dirty="0" err="1">
                 <a:solidFill>
@@ -3407,71 +3451,40 @@
                 </a:solidFill>
                 <a:latin typeface="Lato"/>
               </a:rPr>
-              <a:t>E</a:t>
-            </a:r>
-            <a:r>
-              <a:rPr lang="en-US" sz="3500" spc="350" dirty="0" err="1" smtClean="0">
+              <a:t>Talysson</a:t>
+            </a:r>
+            <a:r>
+              <a:rPr lang="en-US" sz="3500" spc="350" dirty="0">
                 <a:solidFill>
                   <a:srgbClr val="000000"/>
                 </a:solidFill>
                 <a:latin typeface="Lato"/>
               </a:rPr>
-              <a:t>liane</a:t>
-            </a:r>
-            <a:r>
-              <a:rPr lang="en-US" sz="3500" spc="350" dirty="0" smtClean="0">
+              <a:t> Vasconcelos</a:t>
+            </a:r>
+          </a:p>
+          <a:p>
+            <a:pPr>
+              <a:lnSpc>
+                <a:spcPts val="4900"/>
+              </a:lnSpc>
+            </a:pPr>
+            <a:r>
+              <a:rPr lang="en-US" sz="3500" spc="350" dirty="0">
                 <a:solidFill>
                   <a:srgbClr val="000000"/>
                 </a:solidFill>
                 <a:latin typeface="Lato"/>
               </a:rPr>
-              <a:t> </a:t>
-            </a:r>
-            <a:r>
-              <a:rPr lang="en-US" sz="3500" spc="350" dirty="0" err="1">
-                <a:solidFill>
-                  <a:srgbClr val="000000"/>
-                </a:solidFill>
-                <a:latin typeface="Lato"/>
-              </a:rPr>
-              <a:t>D</a:t>
-            </a:r>
-            <a:r>
-              <a:rPr lang="en-US" sz="3500" spc="350" dirty="0" err="1" smtClean="0">
-                <a:solidFill>
-                  <a:srgbClr val="000000"/>
-                </a:solidFill>
-                <a:latin typeface="Lato"/>
-              </a:rPr>
-              <a:t>antas</a:t>
-            </a:r>
-            <a:r>
-              <a:rPr lang="en-US" sz="3500" spc="350" dirty="0" smtClean="0">
-                <a:solidFill>
-                  <a:srgbClr val="000000"/>
-                </a:solidFill>
-                <a:latin typeface="Lato"/>
-              </a:rPr>
-              <a:t> e Natalia </a:t>
-            </a:r>
-            <a:r>
-              <a:rPr lang="en-US" sz="3500" spc="350" dirty="0">
-                <a:solidFill>
-                  <a:srgbClr val="000000"/>
-                </a:solidFill>
-                <a:latin typeface="Lato"/>
-              </a:rPr>
-              <a:t>C</a:t>
-            </a:r>
-            <a:r>
-              <a:rPr lang="en-US" sz="3500" spc="350" dirty="0" smtClean="0">
-                <a:solidFill>
-                  <a:srgbClr val="000000"/>
-                </a:solidFill>
-                <a:latin typeface="Lato"/>
-              </a:rPr>
-              <a:t>osta</a:t>
-            </a:r>
+              <a:t>João Hungria</a:t>
+            </a:r>
+          </a:p>
+          <a:p>
+            <a:pPr>
+              <a:lnSpc>
+                <a:spcPts val="4900"/>
+              </a:lnSpc>
+            </a:pPr>
             <a:endParaRPr lang="en-US" sz="3500" spc="350" dirty="0">
               <a:solidFill>
                 <a:srgbClr val="000000"/>
@@ -3524,7 +3537,7 @@
               <a:alphaModFix amt="69000"/>
               <a:extLst>
                 <a:ext uri="{96DAC541-7B7A-43D3-8B79-37D633B846F1}">
-                  <asvg:svgBlip xmlns="" xmlns:asvg="http://schemas.microsoft.com/office/drawing/2016/SVG/main" r:embed="rId3"/>
+                  <asvg:svgBlip xmlns:asvg="http://schemas.microsoft.com/office/drawing/2016/SVG/main" r:embed="rId3"/>
                 </a:ext>
               </a:extLst>
             </a:blip>
@@ -3533,6 +3546,13 @@
             </a:stretch>
           </a:blipFill>
         </p:spPr>
+        <p:txBody>
+          <a:bodyPr/>
+          <a:lstStyle/>
+          <a:p>
+            <a:endParaRPr lang="pt-BR"/>
+          </a:p>
+        </p:txBody>
       </p:sp>
       <p:grpSp>
         <p:nvGrpSpPr>
@@ -3587,6 +3607,13 @@
               <a:srgbClr val="2B4A9D"/>
             </a:solidFill>
           </p:spPr>
+          <p:txBody>
+            <a:bodyPr/>
+            <a:lstStyle/>
+            <a:p>
+              <a:endParaRPr lang="pt-BR"/>
+            </a:p>
+          </p:txBody>
         </p:sp>
       </p:grpSp>
     </p:spTree>
@@ -3594,13 +3621,6 @@
   <p:clrMapOvr>
     <a:masterClrMapping/>
   </p:clrMapOvr>
-  <p:timing>
-    <p:tnLst>
-      <p:par>
-        <p:cTn id="1" dur="indefinite" restart="never" nodeType="tmRoot"/>
-      </p:par>
-    </p:tnLst>
-  </p:timing>
 </p:sld>
 </file>
 
@@ -3674,6 +3694,13 @@
               <a:srgbClr val="2B4A9D"/>
             </a:solidFill>
           </p:spPr>
+          <p:txBody>
+            <a:bodyPr/>
+            <a:lstStyle/>
+            <a:p>
+              <a:endParaRPr lang="pt-BR"/>
+            </a:p>
+          </p:txBody>
         </p:sp>
       </p:grpSp>
       <p:sp>
@@ -3705,7 +3732,7 @@
               <a:buChar char="•"/>
             </a:pPr>
             <a:r>
-              <a:rPr lang="pt-BR" sz="3400" spc="339" dirty="0" smtClean="0">
+              <a:rPr lang="pt-BR" sz="3400" spc="339" dirty="0">
                 <a:solidFill>
                   <a:srgbClr val="000000"/>
                 </a:solidFill>
@@ -3742,7 +3769,7 @@
               <a:buChar char="•"/>
             </a:pPr>
             <a:r>
-              <a:rPr lang="pt-BR" sz="3400" spc="339" dirty="0" smtClean="0">
+              <a:rPr lang="pt-BR" sz="3400" spc="339" dirty="0">
                 <a:solidFill>
                   <a:srgbClr val="000000"/>
                 </a:solidFill>
@@ -3779,7 +3806,7 @@
               <a:buChar char="•"/>
             </a:pPr>
             <a:r>
-              <a:rPr lang="pt-BR" sz="3400" spc="339" dirty="0" smtClean="0">
+              <a:rPr lang="pt-BR" sz="3400" spc="339" dirty="0">
                 <a:solidFill>
                   <a:srgbClr val="000000"/>
                 </a:solidFill>
@@ -3790,7 +3817,7 @@
               <a:t>A função “</a:t>
             </a:r>
             <a:r>
-              <a:rPr lang="pt-BR" sz="3400" spc="339" dirty="0" err="1" smtClean="0">
+              <a:rPr lang="pt-BR" sz="3400" spc="339" dirty="0" err="1">
                 <a:solidFill>
                   <a:srgbClr val="000000"/>
                 </a:solidFill>
@@ -3801,7 +3828,7 @@
               <a:t>Navigator.pushNamed</a:t>
             </a:r>
             <a:r>
-              <a:rPr lang="pt-BR" sz="3400" spc="339" dirty="0" smtClean="0">
+              <a:rPr lang="pt-BR" sz="3400" spc="339" dirty="0">
                 <a:solidFill>
                   <a:srgbClr val="000000"/>
                 </a:solidFill>
@@ -3837,18 +3864,13 @@
           <a:lstStyle/>
           <a:p>
             <a:r>
-              <a:rPr lang="pt-BR" sz="2500" dirty="0" smtClean="0">
+              <a:rPr lang="pt-BR" sz="2500" dirty="0">
                 <a:latin typeface="Lato" panose="020B0604020202020204" charset="0"/>
                 <a:ea typeface="Lato" panose="020B0604020202020204" charset="0"/>
                 <a:cs typeface="Lato" panose="020B0604020202020204" charset="0"/>
               </a:rPr>
               <a:t>Figura 04 – Primeira Tela</a:t>
             </a:r>
-            <a:endParaRPr lang="pt-BR" sz="2500" dirty="0">
-              <a:latin typeface="Lato" panose="020B0604020202020204" charset="0"/>
-              <a:ea typeface="Lato" panose="020B0604020202020204" charset="0"/>
-              <a:cs typeface="Lato" panose="020B0604020202020204" charset="0"/>
-            </a:endParaRPr>
           </a:p>
         </p:txBody>
       </p:sp>
@@ -3892,13 +3914,6 @@
   <p:clrMapOvr>
     <a:masterClrMapping/>
   </p:clrMapOvr>
-  <p:timing>
-    <p:tnLst>
-      <p:par>
-        <p:cTn id="1" dur="indefinite" restart="never" nodeType="tmRoot"/>
-      </p:par>
-    </p:tnLst>
-  </p:timing>
 </p:sld>
 </file>
 
@@ -3972,6 +3987,13 @@
               <a:srgbClr val="2B4A9D"/>
             </a:solidFill>
           </p:spPr>
+          <p:txBody>
+            <a:bodyPr/>
+            <a:lstStyle/>
+            <a:p>
+              <a:endParaRPr lang="pt-BR"/>
+            </a:p>
+          </p:txBody>
         </p:sp>
       </p:grpSp>
       <p:sp>
@@ -4003,7 +4025,7 @@
               <a:buChar char="•"/>
             </a:pPr>
             <a:r>
-              <a:rPr lang="pt-BR" sz="3400" spc="339" dirty="0" smtClean="0">
+              <a:rPr lang="pt-BR" sz="3400" spc="339" dirty="0">
                 <a:solidFill>
                   <a:srgbClr val="000000"/>
                 </a:solidFill>
@@ -4040,7 +4062,7 @@
               <a:buChar char="•"/>
             </a:pPr>
             <a:r>
-              <a:rPr lang="pt-BR" sz="3400" spc="339" dirty="0" smtClean="0">
+              <a:rPr lang="pt-BR" sz="3400" spc="339" dirty="0">
                 <a:solidFill>
                   <a:srgbClr val="000000"/>
                 </a:solidFill>
@@ -4051,7 +4073,7 @@
               <a:t>A função “</a:t>
             </a:r>
             <a:r>
-              <a:rPr lang="pt-BR" sz="3400" spc="339" dirty="0" err="1" smtClean="0">
+              <a:rPr lang="pt-BR" sz="3400" spc="339" dirty="0" err="1">
                 <a:solidFill>
                   <a:srgbClr val="000000"/>
                 </a:solidFill>
@@ -4062,7 +4084,7 @@
               <a:t>Navigator.pop</a:t>
             </a:r>
             <a:r>
-              <a:rPr lang="pt-BR" sz="3400" spc="339" dirty="0" smtClean="0">
+              <a:rPr lang="pt-BR" sz="3400" spc="339" dirty="0">
                 <a:solidFill>
                   <a:srgbClr val="000000"/>
                 </a:solidFill>
@@ -4072,14 +4094,6 @@
               </a:rPr>
               <a:t>” permite retornar para a tela anterior.</a:t>
             </a:r>
-            <a:endParaRPr lang="pt-BR" sz="3400" spc="339" dirty="0">
-              <a:solidFill>
-                <a:srgbClr val="000000"/>
-              </a:solidFill>
-              <a:latin typeface="Lato" panose="020B0604020202020204" charset="0"/>
-              <a:ea typeface="Lato" panose="020B0604020202020204" charset="0"/>
-              <a:cs typeface="Lato" panose="020B0604020202020204" charset="0"/>
-            </a:endParaRPr>
           </a:p>
         </p:txBody>
       </p:sp>
@@ -4106,18 +4120,13 @@
           <a:lstStyle/>
           <a:p>
             <a:r>
-              <a:rPr lang="pt-BR" sz="2500" dirty="0" smtClean="0">
+              <a:rPr lang="pt-BR" sz="2500" dirty="0">
                 <a:latin typeface="Lato" panose="020B0604020202020204" charset="0"/>
                 <a:ea typeface="Lato" panose="020B0604020202020204" charset="0"/>
                 <a:cs typeface="Lato" panose="020B0604020202020204" charset="0"/>
               </a:rPr>
               <a:t>Figura 05 – Segunda Tela</a:t>
             </a:r>
-            <a:endParaRPr lang="pt-BR" sz="2500" dirty="0">
-              <a:latin typeface="Lato" panose="020B0604020202020204" charset="0"/>
-              <a:ea typeface="Lato" panose="020B0604020202020204" charset="0"/>
-              <a:cs typeface="Lato" panose="020B0604020202020204" charset="0"/>
-            </a:endParaRPr>
           </a:p>
         </p:txBody>
       </p:sp>
@@ -4161,13 +4170,6 @@
   <p:clrMapOvr>
     <a:masterClrMapping/>
   </p:clrMapOvr>
-  <p:timing>
-    <p:tnLst>
-      <p:par>
-        <p:cTn id="1" dur="indefinite" restart="never" nodeType="tmRoot"/>
-      </p:par>
-    </p:tnLst>
-  </p:timing>
 </p:sld>
 </file>
 
@@ -4241,6 +4243,13 @@
               <a:srgbClr val="2B4A9D"/>
             </a:solidFill>
           </p:spPr>
+          <p:txBody>
+            <a:bodyPr/>
+            <a:lstStyle/>
+            <a:p>
+              <a:endParaRPr lang="pt-BR"/>
+            </a:p>
+          </p:txBody>
         </p:sp>
       </p:grpSp>
       <p:sp>
@@ -4267,23 +4276,15 @@
           <a:p>
             <a:pPr algn="just"/>
             <a:r>
-              <a:rPr lang="pt-BR" sz="3500" dirty="0" smtClean="0">
-                <a:latin typeface="Lato" panose="020B0604020202020204" charset="0"/>
-                <a:ea typeface="Lato" panose="020B0604020202020204" charset="0"/>
-                <a:cs typeface="Lato" panose="020B0604020202020204" charset="0"/>
-              </a:rPr>
-              <a:t>O exemplo com o código-fonte utilizando rotas nomeadas </a:t>
-            </a:r>
-            <a:r>
-              <a:rPr lang="pt-BR" sz="3500" dirty="0" smtClean="0">
-                <a:latin typeface="Lato" panose="020B0604020202020204" charset="0"/>
-                <a:ea typeface="Lato" panose="020B0604020202020204" charset="0"/>
-                <a:cs typeface="Lato" panose="020B0604020202020204" charset="0"/>
-              </a:rPr>
-              <a:t>encontra-se no arquivo </a:t>
-            </a:r>
-            <a:r>
-              <a:rPr lang="pt-BR" sz="3500" b="1" dirty="0" err="1" smtClean="0">
+              <a:rPr lang="pt-BR" sz="3500" dirty="0">
+                <a:latin typeface="Lato" panose="020B0604020202020204" charset="0"/>
+                <a:ea typeface="Lato" panose="020B0604020202020204" charset="0"/>
+                <a:cs typeface="Lato" panose="020B0604020202020204" charset="0"/>
+              </a:rPr>
+              <a:t>O exemplo com o código-fonte utilizando rotas nomeadas encontra-se no arquivo </a:t>
+            </a:r>
+            <a:r>
+              <a:rPr lang="pt-BR" sz="3500" b="1" dirty="0" err="1">
                 <a:latin typeface="Lato" panose="020B0604020202020204" charset="0"/>
                 <a:ea typeface="Lato" panose="020B0604020202020204" charset="0"/>
                 <a:cs typeface="Lato" panose="020B0604020202020204" charset="0"/>
@@ -4308,13 +4309,6 @@
   <p:clrMapOvr>
     <a:masterClrMapping/>
   </p:clrMapOvr>
-  <p:timing>
-    <p:tnLst>
-      <p:par>
-        <p:cTn id="1" dur="indefinite" restart="never" nodeType="tmRoot"/>
-      </p:par>
-    </p:tnLst>
-  </p:timing>
 </p:sld>
 </file>
 
@@ -4362,7 +4356,7 @@
               </a:lnSpc>
             </a:pPr>
             <a:r>
-              <a:rPr lang="en-US" sz="5000" spc="300" dirty="0" err="1" smtClean="0">
+              <a:rPr lang="en-US" sz="5000" spc="300" dirty="0" err="1">
                 <a:solidFill>
                   <a:srgbClr val="2B4A9D"/>
                 </a:solidFill>
@@ -4432,6 +4426,13 @@
               <a:srgbClr val="2B4A9D"/>
             </a:solidFill>
           </p:spPr>
+          <p:txBody>
+            <a:bodyPr/>
+            <a:lstStyle/>
+            <a:p>
+              <a:endParaRPr lang="pt-BR"/>
+            </a:p>
+          </p:txBody>
         </p:sp>
       </p:grpSp>
       <p:sp>
@@ -4488,63 +4489,21 @@
               <a:t>. Disponível em: </a:t>
             </a:r>
             <a:r>
-              <a:rPr lang="pt-BR" sz="3400" dirty="0" smtClean="0">
+              <a:rPr lang="pt-BR" sz="3400" dirty="0">
                 <a:latin typeface="Lato" panose="020B0604020202020204" charset="0"/>
                 <a:ea typeface="Lato" panose="020B0604020202020204" charset="0"/>
                 <a:cs typeface="Lato" panose="020B0604020202020204" charset="0"/>
                 <a:hlinkClick r:id="rId2"/>
               </a:rPr>
-              <a:t>https</a:t>
+              <a:t>https://cursa.app/en/page/navegacao-e-roteamento-em-flutter-navegacao-entre-telas</a:t>
             </a:r>
             <a:r>
               <a:rPr lang="pt-BR" sz="3400" dirty="0">
                 <a:latin typeface="Lato" panose="020B0604020202020204" charset="0"/>
                 <a:ea typeface="Lato" panose="020B0604020202020204" charset="0"/>
                 <a:cs typeface="Lato" panose="020B0604020202020204" charset="0"/>
-                <a:hlinkClick r:id="rId2"/>
-              </a:rPr>
-              <a:t>://</a:t>
-            </a:r>
-            <a:r>
-              <a:rPr lang="pt-BR" sz="3400" dirty="0" smtClean="0">
-                <a:latin typeface="Lato" panose="020B0604020202020204" charset="0"/>
-                <a:ea typeface="Lato" panose="020B0604020202020204" charset="0"/>
-                <a:cs typeface="Lato" panose="020B0604020202020204" charset="0"/>
-                <a:hlinkClick r:id="rId2"/>
-              </a:rPr>
-              <a:t>cursa.app/en/page/navegacao-e-roteamento-em-flutter-navegacao-entre-telas</a:t>
-            </a:r>
-            <a:r>
-              <a:rPr lang="pt-BR" sz="3400" dirty="0" smtClean="0">
-                <a:latin typeface="Lato" panose="020B0604020202020204" charset="0"/>
-                <a:ea typeface="Lato" panose="020B0604020202020204" charset="0"/>
-                <a:cs typeface="Lato" panose="020B0604020202020204" charset="0"/>
-              </a:rPr>
-              <a:t>. Acesso </a:t>
-            </a:r>
-            <a:r>
-              <a:rPr lang="pt-BR" sz="3400" dirty="0">
-                <a:latin typeface="Lato" panose="020B0604020202020204" charset="0"/>
-                <a:ea typeface="Lato" panose="020B0604020202020204" charset="0"/>
-                <a:cs typeface="Lato" panose="020B0604020202020204" charset="0"/>
-              </a:rPr>
-              <a:t>em: </a:t>
-            </a:r>
-            <a:r>
-              <a:rPr lang="pt-BR" sz="3400" dirty="0" smtClean="0">
-                <a:latin typeface="Lato" panose="020B0604020202020204" charset="0"/>
-                <a:ea typeface="Lato" panose="020B0604020202020204" charset="0"/>
-                <a:cs typeface="Lato" panose="020B0604020202020204" charset="0"/>
-              </a:rPr>
-              <a:t>4 </a:t>
-            </a:r>
-            <a:r>
-              <a:rPr lang="pt-BR" sz="3400" dirty="0">
-                <a:latin typeface="Lato" panose="020B0604020202020204" charset="0"/>
-                <a:ea typeface="Lato" panose="020B0604020202020204" charset="0"/>
-                <a:cs typeface="Lato" panose="020B0604020202020204" charset="0"/>
-              </a:rPr>
-              <a:t>mar. 2024.</a:t>
+              </a:rPr>
+              <a:t>. Acesso em: 4 mar. 2024.</a:t>
             </a:r>
           </a:p>
           <a:p>
@@ -4639,77 +4598,22 @@
               <a:t>. Disponível em: </a:t>
             </a:r>
             <a:r>
-              <a:rPr lang="pt-BR" sz="3400" dirty="0" smtClean="0">
+              <a:rPr lang="pt-BR" sz="3400" dirty="0">
                 <a:latin typeface="Lato" panose="020B0604020202020204" charset="0"/>
                 <a:ea typeface="Lato" panose="020B0604020202020204" charset="0"/>
                 <a:cs typeface="Lato" panose="020B0604020202020204" charset="0"/>
                 <a:hlinkClick r:id="rId3"/>
               </a:rPr>
-              <a:t>https</a:t>
+              <a:t>https://docs.flutter.dev/cookbook/navigation/navigation-basics</a:t>
             </a:r>
             <a:r>
               <a:rPr lang="pt-BR" sz="3400" dirty="0">
                 <a:latin typeface="Lato" panose="020B0604020202020204" charset="0"/>
                 <a:ea typeface="Lato" panose="020B0604020202020204" charset="0"/>
                 <a:cs typeface="Lato" panose="020B0604020202020204" charset="0"/>
-                <a:hlinkClick r:id="rId3"/>
-              </a:rPr>
-              <a:t>://</a:t>
-            </a:r>
-            <a:r>
-              <a:rPr lang="pt-BR" sz="3400" dirty="0" smtClean="0">
-                <a:latin typeface="Lato" panose="020B0604020202020204" charset="0"/>
-                <a:ea typeface="Lato" panose="020B0604020202020204" charset="0"/>
-                <a:cs typeface="Lato" panose="020B0604020202020204" charset="0"/>
-                <a:hlinkClick r:id="rId3"/>
-              </a:rPr>
-              <a:t>docs.flutter.dev/cookbook/navigation/navigation-basics</a:t>
-            </a:r>
-            <a:r>
-              <a:rPr lang="pt-BR" sz="3400" dirty="0" smtClean="0">
-                <a:latin typeface="Lato" panose="020B0604020202020204" charset="0"/>
-                <a:ea typeface="Lato" panose="020B0604020202020204" charset="0"/>
-                <a:cs typeface="Lato" panose="020B0604020202020204" charset="0"/>
-              </a:rPr>
-              <a:t>. </a:t>
-            </a:r>
-            <a:r>
-              <a:rPr lang="pt-BR" sz="3400" dirty="0">
-                <a:latin typeface="Lato" panose="020B0604020202020204" charset="0"/>
-                <a:ea typeface="Lato" panose="020B0604020202020204" charset="0"/>
-                <a:cs typeface="Lato" panose="020B0604020202020204" charset="0"/>
-              </a:rPr>
-              <a:t>Acesso em: </a:t>
-            </a:r>
-            <a:r>
-              <a:rPr lang="pt-BR" sz="3400" dirty="0" smtClean="0">
-                <a:latin typeface="Lato" panose="020B0604020202020204" charset="0"/>
-                <a:ea typeface="Lato" panose="020B0604020202020204" charset="0"/>
-                <a:cs typeface="Lato" panose="020B0604020202020204" charset="0"/>
-              </a:rPr>
-              <a:t>4 </a:t>
-            </a:r>
-            <a:r>
-              <a:rPr lang="pt-BR" sz="3400" dirty="0">
-                <a:latin typeface="Lato" panose="020B0604020202020204" charset="0"/>
-                <a:ea typeface="Lato" panose="020B0604020202020204" charset="0"/>
-                <a:cs typeface="Lato" panose="020B0604020202020204" charset="0"/>
-              </a:rPr>
-              <a:t>mar. 2024</a:t>
-            </a:r>
-            <a:r>
-              <a:rPr lang="pt-BR" sz="3400" dirty="0" smtClean="0">
-                <a:latin typeface="Lato" panose="020B0604020202020204" charset="0"/>
-                <a:ea typeface="Lato" panose="020B0604020202020204" charset="0"/>
-                <a:cs typeface="Lato" panose="020B0604020202020204" charset="0"/>
-              </a:rPr>
-              <a:t>.</a:t>
-            </a:r>
-            <a:endParaRPr lang="pt-BR" sz="3400" dirty="0">
-              <a:latin typeface="Lato" panose="020B0604020202020204" charset="0"/>
-              <a:ea typeface="Lato" panose="020B0604020202020204" charset="0"/>
-              <a:cs typeface="Lato" panose="020B0604020202020204" charset="0"/>
-            </a:endParaRPr>
+              </a:rPr>
+              <a:t>. Acesso em: 4 mar. 2024.</a:t>
+            </a:r>
           </a:p>
         </p:txBody>
       </p:sp>
@@ -4723,13 +4627,6 @@
   <p:clrMapOvr>
     <a:masterClrMapping/>
   </p:clrMapOvr>
-  <p:timing>
-    <p:tnLst>
-      <p:par>
-        <p:cTn id="1" dur="indefinite" restart="never" nodeType="tmRoot"/>
-      </p:par>
-    </p:tnLst>
-  </p:timing>
 </p:sld>
 </file>
 
@@ -4803,6 +4700,13 @@
               <a:srgbClr val="2B4A9D"/>
             </a:solidFill>
           </p:spPr>
+          <p:txBody>
+            <a:bodyPr/>
+            <a:lstStyle/>
+            <a:p>
+              <a:endParaRPr lang="pt-BR"/>
+            </a:p>
+          </p:txBody>
         </p:sp>
       </p:grpSp>
       <p:grpSp>
@@ -4858,6 +4762,13 @@
               <a:srgbClr val="2B4A9D"/>
             </a:solidFill>
           </p:spPr>
+          <p:txBody>
+            <a:bodyPr/>
+            <a:lstStyle/>
+            <a:p>
+              <a:endParaRPr lang="pt-BR"/>
+            </a:p>
+          </p:txBody>
         </p:sp>
       </p:grpSp>
       <p:grpSp>
@@ -4932,6 +4843,13 @@
               <a:srgbClr val="FFFFFF"/>
             </a:solidFill>
           </p:spPr>
+          <p:txBody>
+            <a:bodyPr/>
+            <a:lstStyle/>
+            <a:p>
+              <a:endParaRPr lang="pt-BR"/>
+            </a:p>
+          </p:txBody>
         </p:sp>
       </p:grpSp>
       <p:grpSp>
@@ -5006,6 +4924,13 @@
               <a:srgbClr val="2B4A9D"/>
             </a:solidFill>
           </p:spPr>
+          <p:txBody>
+            <a:bodyPr/>
+            <a:lstStyle/>
+            <a:p>
+              <a:endParaRPr lang="pt-BR"/>
+            </a:p>
+          </p:txBody>
         </p:sp>
       </p:grpSp>
       <p:grpSp>
@@ -5080,6 +5005,13 @@
               <a:srgbClr val="2B4A9D"/>
             </a:solidFill>
           </p:spPr>
+          <p:txBody>
+            <a:bodyPr/>
+            <a:lstStyle/>
+            <a:p>
+              <a:endParaRPr lang="pt-BR"/>
+            </a:p>
+          </p:txBody>
         </p:sp>
       </p:grpSp>
       <p:grpSp>
@@ -5160,6 +5092,13 @@
               <a:srgbClr val="2B4A9D"/>
             </a:solidFill>
           </p:spPr>
+          <p:txBody>
+            <a:bodyPr/>
+            <a:lstStyle/>
+            <a:p>
+              <a:endParaRPr lang="pt-BR"/>
+            </a:p>
+          </p:txBody>
         </p:sp>
       </p:grpSp>
       <p:sp>
@@ -5278,6 +5217,13 @@
               <a:srgbClr val="2B4A9D"/>
             </a:solidFill>
           </p:spPr>
+          <p:txBody>
+            <a:bodyPr/>
+            <a:lstStyle/>
+            <a:p>
+              <a:endParaRPr lang="pt-BR"/>
+            </a:p>
+          </p:txBody>
         </p:sp>
       </p:grpSp>
       <p:sp>
@@ -5307,7 +5253,7 @@
               </a:lnSpc>
             </a:pPr>
             <a:r>
-              <a:rPr lang="en-US" sz="3500" spc="350" dirty="0" err="1" smtClean="0">
+              <a:rPr lang="en-US" sz="3500" spc="350" dirty="0" err="1">
                 <a:solidFill>
                   <a:srgbClr val="2B4A9D"/>
                 </a:solidFill>
@@ -5402,6 +5348,13 @@
               <a:srgbClr val="2B4A9D"/>
             </a:solidFill>
           </p:spPr>
+          <p:txBody>
+            <a:bodyPr/>
+            <a:lstStyle/>
+            <a:p>
+              <a:endParaRPr lang="pt-BR"/>
+            </a:p>
+          </p:txBody>
         </p:sp>
       </p:grpSp>
       <p:sp>
@@ -5431,7 +5384,7 @@
               </a:lnSpc>
             </a:pPr>
             <a:r>
-              <a:rPr lang="en-US" sz="3500" spc="350" dirty="0" err="1" smtClean="0">
+              <a:rPr lang="en-US" sz="3500" spc="350" dirty="0" err="1">
                 <a:solidFill>
                   <a:srgbClr val="2B4A9D"/>
                 </a:solidFill>
@@ -5440,7 +5393,7 @@
               <a:t>Uso</a:t>
             </a:r>
             <a:r>
-              <a:rPr lang="en-US" sz="3500" spc="350" dirty="0" smtClean="0">
+              <a:rPr lang="en-US" sz="3500" spc="350" dirty="0">
                 <a:solidFill>
                   <a:srgbClr val="2B4A9D"/>
                 </a:solidFill>
@@ -5448,12 +5401,6 @@
               </a:rPr>
               <a:t> do Navigator</a:t>
             </a:r>
-            <a:endParaRPr lang="en-US" sz="3500" spc="350" dirty="0">
-              <a:solidFill>
-                <a:srgbClr val="2B4A9D"/>
-              </a:solidFill>
-              <a:latin typeface="Lato Bold"/>
-            </a:endParaRPr>
           </a:p>
         </p:txBody>
       </p:sp>
@@ -5535,6 +5482,13 @@
               <a:srgbClr val="2B4A9D"/>
             </a:solidFill>
           </p:spPr>
+          <p:txBody>
+            <a:bodyPr/>
+            <a:lstStyle/>
+            <a:p>
+              <a:endParaRPr lang="pt-BR"/>
+            </a:p>
+          </p:txBody>
         </p:sp>
       </p:grpSp>
       <p:sp>
@@ -5564,7 +5518,7 @@
               </a:lnSpc>
             </a:pPr>
             <a:r>
-              <a:rPr lang="en-US" sz="3500" spc="350" dirty="0" err="1" smtClean="0">
+              <a:rPr lang="en-US" sz="3500" spc="350" dirty="0" err="1">
                 <a:solidFill>
                   <a:srgbClr val="2B4A9D"/>
                 </a:solidFill>
@@ -5573,7 +5527,7 @@
               <a:t>Uso</a:t>
             </a:r>
             <a:r>
-              <a:rPr lang="en-US" sz="3500" spc="350" dirty="0" smtClean="0">
+              <a:rPr lang="en-US" sz="3500" spc="350" dirty="0">
                 <a:solidFill>
                   <a:srgbClr val="2B4A9D"/>
                 </a:solidFill>
@@ -5582,7 +5536,7 @@
               <a:t> de </a:t>
             </a:r>
             <a:r>
-              <a:rPr lang="en-US" sz="3500" spc="350" dirty="0" err="1" smtClean="0">
+              <a:rPr lang="en-US" sz="3500" spc="350" dirty="0" err="1">
                 <a:solidFill>
                   <a:srgbClr val="2B4A9D"/>
                 </a:solidFill>
@@ -5591,7 +5545,7 @@
               <a:t>Rotas</a:t>
             </a:r>
             <a:r>
-              <a:rPr lang="en-US" sz="3500" spc="350" dirty="0" smtClean="0">
+              <a:rPr lang="en-US" sz="3500" spc="350" dirty="0">
                 <a:solidFill>
                   <a:srgbClr val="2B4A9D"/>
                 </a:solidFill>
@@ -5600,7 +5554,7 @@
               <a:t> </a:t>
             </a:r>
             <a:r>
-              <a:rPr lang="en-US" sz="3500" spc="350" dirty="0" err="1" smtClean="0">
+              <a:rPr lang="en-US" sz="3500" spc="350" dirty="0" err="1">
                 <a:solidFill>
                   <a:srgbClr val="2B4A9D"/>
                 </a:solidFill>
@@ -5622,13 +5576,6 @@
   <p:clrMapOvr>
     <a:masterClrMapping/>
   </p:clrMapOvr>
-  <p:timing>
-    <p:tnLst>
-      <p:par>
-        <p:cTn id="1" dur="indefinite" restart="never" nodeType="tmRoot"/>
-      </p:par>
-    </p:tnLst>
-  </p:timing>
 </p:sld>
 </file>
 
@@ -5676,7 +5623,7 @@
               </a:lnSpc>
             </a:pPr>
             <a:r>
-              <a:rPr lang="en-US" sz="5000" spc="300" dirty="0" err="1" smtClean="0">
+              <a:rPr lang="en-US" sz="5000" spc="300" dirty="0" err="1">
                 <a:solidFill>
                   <a:srgbClr val="2B4A9D"/>
                 </a:solidFill>
@@ -5746,6 +5693,13 @@
               <a:srgbClr val="2B4A9D"/>
             </a:solidFill>
           </p:spPr>
+          <p:txBody>
+            <a:bodyPr/>
+            <a:lstStyle/>
+            <a:p>
+              <a:endParaRPr lang="pt-BR"/>
+            </a:p>
+          </p:txBody>
         </p:sp>
       </p:grpSp>
       <p:sp>
@@ -5777,7 +5731,7 @@
               <a:buChar char="•"/>
             </a:pPr>
             <a:r>
-              <a:rPr lang="pt-BR" sz="3400" dirty="0" smtClean="0">
+              <a:rPr lang="pt-BR" sz="3400" dirty="0">
                 <a:latin typeface="Lato" panose="020B0604020202020204" charset="0"/>
                 <a:ea typeface="Lato" panose="020B0604020202020204" charset="0"/>
                 <a:cs typeface="Lato" panose="020B0604020202020204" charset="0"/>
@@ -5785,7 +5739,7 @@
               <a:t>O </a:t>
             </a:r>
             <a:r>
-              <a:rPr lang="pt-BR" sz="3400" dirty="0" err="1" smtClean="0">
+              <a:rPr lang="pt-BR" sz="3400" dirty="0" err="1">
                 <a:latin typeface="Lato" panose="020B0604020202020204" charset="0"/>
                 <a:ea typeface="Lato" panose="020B0604020202020204" charset="0"/>
                 <a:cs typeface="Lato" panose="020B0604020202020204" charset="0"/>
@@ -5793,28 +5747,12 @@
               <a:t>Flutter</a:t>
             </a:r>
             <a:r>
-              <a:rPr lang="pt-BR" sz="3400" dirty="0" smtClean="0">
-                <a:latin typeface="Lato" panose="020B0604020202020204" charset="0"/>
-                <a:ea typeface="Lato" panose="020B0604020202020204" charset="0"/>
-                <a:cs typeface="Lato" panose="020B0604020202020204" charset="0"/>
-              </a:rPr>
-              <a:t> </a:t>
-            </a:r>
-            <a:r>
               <a:rPr lang="pt-BR" sz="3400" dirty="0">
                 <a:latin typeface="Lato" panose="020B0604020202020204" charset="0"/>
                 <a:ea typeface="Lato" panose="020B0604020202020204" charset="0"/>
                 <a:cs typeface="Lato" panose="020B0604020202020204" charset="0"/>
               </a:rPr>
-              <a:t>fornece um sistema completo para navegar entre telas e lidar com links </a:t>
-            </a:r>
-            <a:r>
-              <a:rPr lang="pt-BR" sz="3400" dirty="0" smtClean="0">
-                <a:latin typeface="Lato" panose="020B0604020202020204" charset="0"/>
-                <a:ea typeface="Lato" panose="020B0604020202020204" charset="0"/>
-                <a:cs typeface="Lato" panose="020B0604020202020204" charset="0"/>
-              </a:rPr>
-              <a:t>diretos;</a:t>
+              <a:t> fornece um sistema completo para navegar entre telas e lidar com links diretos;</a:t>
             </a:r>
           </a:p>
           <a:p>
@@ -5823,7 +5761,7 @@
                 <a:spcPts val="4759"/>
               </a:lnSpc>
             </a:pPr>
-            <a:endParaRPr lang="pt-BR" sz="3600" spc="339" dirty="0" smtClean="0">
+            <a:endParaRPr lang="pt-BR" sz="3600" spc="339" dirty="0">
               <a:solidFill>
                 <a:srgbClr val="000000"/>
               </a:solidFill>
@@ -5841,7 +5779,7 @@
               <a:buChar char="•"/>
             </a:pPr>
             <a:r>
-              <a:rPr lang="en-US" sz="3399" spc="339" dirty="0" err="1" smtClean="0">
+              <a:rPr lang="en-US" sz="3399" spc="339" dirty="0" err="1">
                 <a:solidFill>
                   <a:srgbClr val="000000"/>
                 </a:solidFill>
@@ -5852,7 +5790,7 @@
               <a:t>Aplicativos</a:t>
             </a:r>
             <a:r>
-              <a:rPr lang="en-US" sz="3399" spc="339" dirty="0" smtClean="0">
+              <a:rPr lang="en-US" sz="3399" spc="339" dirty="0">
                 <a:solidFill>
                   <a:srgbClr val="000000"/>
                 </a:solidFill>
@@ -5863,7 +5801,7 @@
               <a:t> </a:t>
             </a:r>
             <a:r>
-              <a:rPr lang="en-US" sz="3399" spc="339" dirty="0" err="1" smtClean="0">
+              <a:rPr lang="en-US" sz="3399" spc="339" dirty="0" err="1">
                 <a:solidFill>
                   <a:srgbClr val="000000"/>
                 </a:solidFill>
@@ -5874,7 +5812,7 @@
               <a:t>pequenos</a:t>
             </a:r>
             <a:r>
-              <a:rPr lang="en-US" sz="3399" spc="339" dirty="0" smtClean="0">
+              <a:rPr lang="en-US" sz="3399" spc="339" dirty="0">
                 <a:solidFill>
                   <a:srgbClr val="000000"/>
                 </a:solidFill>
@@ -5885,7 +5823,7 @@
               <a:t>, </a:t>
             </a:r>
             <a:r>
-              <a:rPr lang="en-US" sz="3399" spc="339" dirty="0" err="1" smtClean="0">
+              <a:rPr lang="en-US" sz="3399" spc="339" dirty="0" err="1">
                 <a:solidFill>
                   <a:srgbClr val="000000"/>
                 </a:solidFill>
@@ -5896,7 +5834,7 @@
               <a:t>sem</a:t>
             </a:r>
             <a:r>
-              <a:rPr lang="en-US" sz="3399" spc="339" dirty="0" smtClean="0">
+              <a:rPr lang="en-US" sz="3399" spc="339" dirty="0">
                 <a:solidFill>
                   <a:srgbClr val="000000"/>
                 </a:solidFill>
@@ -5907,7 +5845,7 @@
               <a:t> links </a:t>
             </a:r>
             <a:r>
-              <a:rPr lang="en-US" sz="3399" spc="339" dirty="0" err="1" smtClean="0">
+              <a:rPr lang="en-US" sz="3399" spc="339" dirty="0" err="1">
                 <a:solidFill>
                   <a:srgbClr val="000000"/>
                 </a:solidFill>
@@ -5918,7 +5856,7 @@
               <a:t>diretos</a:t>
             </a:r>
             <a:r>
-              <a:rPr lang="en-US" sz="3399" spc="339" dirty="0" smtClean="0">
+              <a:rPr lang="en-US" sz="3399" spc="339" dirty="0">
                 <a:solidFill>
                   <a:srgbClr val="000000"/>
                 </a:solidFill>
@@ -5929,7 +5867,7 @@
               <a:t> </a:t>
             </a:r>
             <a:r>
-              <a:rPr lang="en-US" sz="3399" spc="339" dirty="0" err="1" smtClean="0">
+              <a:rPr lang="en-US" sz="3399" spc="339" dirty="0" err="1">
                 <a:solidFill>
                   <a:srgbClr val="000000"/>
                 </a:solidFill>
@@ -5940,7 +5878,7 @@
               <a:t>complexos</a:t>
             </a:r>
             <a:r>
-              <a:rPr lang="en-US" sz="3399" spc="339" dirty="0" smtClean="0">
+              <a:rPr lang="en-US" sz="3399" spc="339" dirty="0">
                 <a:solidFill>
                   <a:srgbClr val="000000"/>
                 </a:solidFill>
@@ -5951,7 +5889,7 @@
               <a:t>, </a:t>
             </a:r>
             <a:r>
-              <a:rPr lang="en-US" sz="3399" spc="339" dirty="0" err="1" smtClean="0">
+              <a:rPr lang="en-US" sz="3399" spc="339" dirty="0" err="1">
                 <a:solidFill>
                   <a:srgbClr val="000000"/>
                 </a:solidFill>
@@ -5962,7 +5900,7 @@
               <a:t>podem</a:t>
             </a:r>
             <a:r>
-              <a:rPr lang="en-US" sz="3399" spc="339" dirty="0" smtClean="0">
+              <a:rPr lang="en-US" sz="3399" spc="339" dirty="0">
                 <a:solidFill>
                   <a:srgbClr val="000000"/>
                 </a:solidFill>
@@ -5973,7 +5911,7 @@
               <a:t> </a:t>
             </a:r>
             <a:r>
-              <a:rPr lang="en-US" sz="3399" spc="339" dirty="0" err="1" smtClean="0">
+              <a:rPr lang="en-US" sz="3399" spc="339" dirty="0" err="1">
                 <a:solidFill>
                   <a:srgbClr val="000000"/>
                 </a:solidFill>
@@ -5984,7 +5922,7 @@
               <a:t>usar</a:t>
             </a:r>
             <a:r>
-              <a:rPr lang="en-US" sz="3399" spc="339" dirty="0" smtClean="0">
+              <a:rPr lang="en-US" sz="3399" spc="339" dirty="0">
                 <a:solidFill>
                   <a:srgbClr val="000000"/>
                 </a:solidFill>
@@ -6001,7 +5939,7 @@
                 <a:spcPts val="4759"/>
               </a:lnSpc>
             </a:pPr>
-            <a:endParaRPr lang="en-US" sz="3399" spc="339" dirty="0" smtClean="0">
+            <a:endParaRPr lang="en-US" sz="3399" spc="339" dirty="0">
               <a:solidFill>
                 <a:srgbClr val="000000"/>
               </a:solidFill>
@@ -6019,7 +5957,7 @@
               <a:buChar char="•"/>
             </a:pPr>
             <a:r>
-              <a:rPr lang="en-US" sz="3399" spc="339" dirty="0" err="1" smtClean="0">
+              <a:rPr lang="en-US" sz="3399" spc="339" dirty="0" err="1">
                 <a:solidFill>
                   <a:srgbClr val="000000"/>
                 </a:solidFill>
@@ -6030,7 +5968,7 @@
               <a:t>Além</a:t>
             </a:r>
             <a:r>
-              <a:rPr lang="en-US" sz="3399" spc="339" dirty="0" smtClean="0">
+              <a:rPr lang="en-US" sz="3399" spc="339" dirty="0">
                 <a:solidFill>
                   <a:srgbClr val="000000"/>
                 </a:solidFill>
@@ -6041,7 +5979,7 @@
               <a:t> disso, </a:t>
             </a:r>
             <a:r>
-              <a:rPr lang="en-US" sz="3399" spc="339" dirty="0" err="1" smtClean="0">
+              <a:rPr lang="en-US" sz="3399" spc="339" dirty="0" err="1">
                 <a:solidFill>
                   <a:srgbClr val="000000"/>
                 </a:solidFill>
@@ -6052,7 +5990,7 @@
               <a:t>há</a:t>
             </a:r>
             <a:r>
-              <a:rPr lang="en-US" sz="3399" spc="339" dirty="0" smtClean="0">
+              <a:rPr lang="en-US" sz="3399" spc="339" dirty="0">
                 <a:solidFill>
                   <a:srgbClr val="000000"/>
                 </a:solidFill>
@@ -6063,7 +6001,7 @@
               <a:t> o </a:t>
             </a:r>
             <a:r>
-              <a:rPr lang="en-US" sz="3399" spc="339" dirty="0" err="1" smtClean="0">
+              <a:rPr lang="en-US" sz="3399" spc="339" dirty="0" err="1">
                 <a:solidFill>
                   <a:srgbClr val="000000"/>
                 </a:solidFill>
@@ -6074,7 +6012,7 @@
               <a:t>uso</a:t>
             </a:r>
             <a:r>
-              <a:rPr lang="en-US" sz="3399" spc="339" dirty="0" smtClean="0">
+              <a:rPr lang="en-US" sz="3399" spc="339" dirty="0">
                 <a:solidFill>
                   <a:srgbClr val="000000"/>
                 </a:solidFill>
@@ -6085,7 +6023,7 @@
               <a:t> das </a:t>
             </a:r>
             <a:r>
-              <a:rPr lang="en-US" sz="3399" spc="339" dirty="0" err="1" smtClean="0">
+              <a:rPr lang="en-US" sz="3399" spc="339" dirty="0" err="1">
                 <a:solidFill>
                   <a:srgbClr val="000000"/>
                 </a:solidFill>
@@ -6096,7 +6034,7 @@
               <a:t>rotas</a:t>
             </a:r>
             <a:r>
-              <a:rPr lang="en-US" sz="3399" spc="339" dirty="0" smtClean="0">
+              <a:rPr lang="en-US" sz="3399" spc="339" dirty="0">
                 <a:solidFill>
                   <a:srgbClr val="000000"/>
                 </a:solidFill>
@@ -6107,7 +6045,7 @@
               <a:t> </a:t>
             </a:r>
             <a:r>
-              <a:rPr lang="en-US" sz="3399" spc="339" dirty="0" err="1" smtClean="0">
+              <a:rPr lang="en-US" sz="3399" spc="339" dirty="0" err="1">
                 <a:solidFill>
                   <a:srgbClr val="000000"/>
                 </a:solidFill>
@@ -6118,7 +6056,7 @@
               <a:t>nomeadas</a:t>
             </a:r>
             <a:r>
-              <a:rPr lang="en-US" sz="3399" spc="339" dirty="0" smtClean="0">
+              <a:rPr lang="en-US" sz="3399" spc="339" dirty="0">
                 <a:solidFill>
                   <a:srgbClr val="000000"/>
                 </a:solidFill>
@@ -6136,13 +6074,6 @@
   <p:clrMapOvr>
     <a:masterClrMapping/>
   </p:clrMapOvr>
-  <p:timing>
-    <p:tnLst>
-      <p:par>
-        <p:cTn id="1" dur="indefinite" restart="never" nodeType="tmRoot"/>
-      </p:par>
-    </p:tnLst>
-  </p:timing>
 </p:sld>
 </file>
 
@@ -6190,7 +6121,7 @@
               </a:lnSpc>
             </a:pPr>
             <a:r>
-              <a:rPr lang="en-US" sz="5000" spc="300" dirty="0" smtClean="0">
+              <a:rPr lang="en-US" sz="5000" spc="300" dirty="0">
                 <a:solidFill>
                   <a:srgbClr val="2B4A9D"/>
                 </a:solidFill>
@@ -6199,7 +6130,7 @@
               <a:t>O </a:t>
             </a:r>
             <a:r>
-              <a:rPr lang="en-US" sz="5000" spc="300" dirty="0" err="1" smtClean="0">
+              <a:rPr lang="en-US" sz="5000" spc="300" dirty="0" err="1">
                 <a:solidFill>
                   <a:srgbClr val="2B4A9D"/>
                 </a:solidFill>
@@ -6208,7 +6139,7 @@
               <a:t>uso</a:t>
             </a:r>
             <a:r>
-              <a:rPr lang="en-US" sz="5000" spc="300" dirty="0" smtClean="0">
+              <a:rPr lang="en-US" sz="5000" spc="300" dirty="0">
                 <a:solidFill>
                   <a:srgbClr val="2B4A9D"/>
                 </a:solidFill>
@@ -6216,12 +6147,6 @@
               </a:rPr>
               <a:t> do Navigator</a:t>
             </a:r>
-            <a:endParaRPr lang="en-US" sz="5000" spc="300" dirty="0">
-              <a:solidFill>
-                <a:srgbClr val="2B4A9D"/>
-              </a:solidFill>
-              <a:latin typeface="Poppins Ultra-Bold"/>
-            </a:endParaRPr>
           </a:p>
         </p:txBody>
       </p:sp>
@@ -6278,6 +6203,13 @@
               <a:srgbClr val="2B4A9D"/>
             </a:solidFill>
           </p:spPr>
+          <p:txBody>
+            <a:bodyPr/>
+            <a:lstStyle/>
+            <a:p>
+              <a:endParaRPr lang="pt-BR"/>
+            </a:p>
+          </p:txBody>
         </p:sp>
       </p:grpSp>
       <p:sp>
@@ -6309,7 +6241,7 @@
               <a:buChar char="•"/>
             </a:pPr>
             <a:r>
-              <a:rPr lang="pt-BR" sz="3400" dirty="0" smtClean="0">
+              <a:rPr lang="pt-BR" sz="3400" dirty="0">
                 <a:latin typeface="Lato" panose="020B0604020202020204" charset="0"/>
                 <a:ea typeface="Lato" panose="020B0604020202020204" charset="0"/>
                 <a:cs typeface="Lato" panose="020B0604020202020204" charset="0"/>
@@ -6317,7 +6249,7 @@
               <a:t>O </a:t>
             </a:r>
             <a:r>
-              <a:rPr lang="pt-BR" sz="3400" dirty="0" err="1" smtClean="0">
+              <a:rPr lang="pt-BR" sz="3400" dirty="0" err="1">
                 <a:latin typeface="Lato" panose="020B0604020202020204" charset="0"/>
                 <a:ea typeface="Lato" panose="020B0604020202020204" charset="0"/>
                 <a:cs typeface="Lato" panose="020B0604020202020204" charset="0"/>
@@ -6325,7 +6257,7 @@
               <a:t>widget</a:t>
             </a:r>
             <a:r>
-              <a:rPr lang="pt-BR" sz="3400" dirty="0" smtClean="0">
+              <a:rPr lang="pt-BR" sz="3400" dirty="0">
                 <a:latin typeface="Lato" panose="020B0604020202020204" charset="0"/>
                 <a:ea typeface="Lato" panose="020B0604020202020204" charset="0"/>
                 <a:cs typeface="Lato" panose="020B0604020202020204" charset="0"/>
@@ -6333,7 +6265,7 @@
               <a:t> </a:t>
             </a:r>
             <a:r>
-              <a:rPr lang="pt-BR" sz="3400" dirty="0" err="1" smtClean="0">
+              <a:rPr lang="pt-BR" sz="3400" dirty="0" err="1">
                 <a:latin typeface="Lato" panose="020B0604020202020204" charset="0"/>
                 <a:ea typeface="Lato" panose="020B0604020202020204" charset="0"/>
                 <a:cs typeface="Lato" panose="020B0604020202020204" charset="0"/>
@@ -6341,7 +6273,7 @@
               <a:t>Navigator</a:t>
             </a:r>
             <a:r>
-              <a:rPr lang="pt-BR" sz="3400" dirty="0" smtClean="0">
+              <a:rPr lang="pt-BR" sz="3400" dirty="0">
                 <a:latin typeface="Lato" panose="020B0604020202020204" charset="0"/>
                 <a:ea typeface="Lato" panose="020B0604020202020204" charset="0"/>
                 <a:cs typeface="Lato" panose="020B0604020202020204" charset="0"/>
@@ -6355,7 +6287,7 @@
                 <a:spcPts val="4759"/>
               </a:lnSpc>
             </a:pPr>
-            <a:endParaRPr lang="pt-BR" sz="3600" spc="339" dirty="0" smtClean="0">
+            <a:endParaRPr lang="pt-BR" sz="3600" spc="339" dirty="0">
               <a:solidFill>
                 <a:srgbClr val="000000"/>
               </a:solidFill>
@@ -6373,7 +6305,7 @@
               <a:buChar char="•"/>
             </a:pPr>
             <a:r>
-              <a:rPr lang="en-US" sz="3399" spc="339" dirty="0" smtClean="0">
+              <a:rPr lang="en-US" sz="3399" spc="339" dirty="0">
                 <a:solidFill>
                   <a:srgbClr val="000000"/>
                 </a:solidFill>
@@ -6384,7 +6316,7 @@
               <a:t>O Navigator é </a:t>
             </a:r>
             <a:r>
-              <a:rPr lang="en-US" sz="3399" spc="339" dirty="0" err="1" smtClean="0">
+              <a:rPr lang="en-US" sz="3399" spc="339" dirty="0" err="1">
                 <a:solidFill>
                   <a:srgbClr val="000000"/>
                 </a:solidFill>
@@ -6395,7 +6327,7 @@
               <a:t>responsável</a:t>
             </a:r>
             <a:r>
-              <a:rPr lang="en-US" sz="3399" spc="339" dirty="0" smtClean="0">
+              <a:rPr lang="en-US" sz="3399" spc="339" dirty="0">
                 <a:solidFill>
                   <a:srgbClr val="000000"/>
                 </a:solidFill>
@@ -6406,7 +6338,7 @@
               <a:t> </a:t>
             </a:r>
             <a:r>
-              <a:rPr lang="en-US" sz="3399" spc="339" dirty="0" err="1" smtClean="0">
+              <a:rPr lang="en-US" sz="3399" spc="339" dirty="0" err="1">
                 <a:solidFill>
                   <a:srgbClr val="000000"/>
                 </a:solidFill>
@@ -6417,7 +6349,7 @@
               <a:t>por</a:t>
             </a:r>
             <a:r>
-              <a:rPr lang="en-US" sz="3399" spc="339" dirty="0" smtClean="0">
+              <a:rPr lang="en-US" sz="3399" spc="339" dirty="0">
                 <a:solidFill>
                   <a:srgbClr val="000000"/>
                 </a:solidFill>
@@ -6428,7 +6360,7 @@
               <a:t> </a:t>
             </a:r>
             <a:r>
-              <a:rPr lang="en-US" sz="3399" spc="339" dirty="0" err="1" smtClean="0">
+              <a:rPr lang="en-US" sz="3399" spc="339" dirty="0" err="1">
                 <a:solidFill>
                   <a:srgbClr val="000000"/>
                 </a:solidFill>
@@ -6439,7 +6371,7 @@
               <a:t>empilhar</a:t>
             </a:r>
             <a:r>
-              <a:rPr lang="en-US" sz="3399" spc="339" dirty="0" smtClean="0">
+              <a:rPr lang="en-US" sz="3399" spc="339" dirty="0">
                 <a:solidFill>
                   <a:srgbClr val="000000"/>
                 </a:solidFill>
@@ -6450,7 +6382,7 @@
               <a:t> e </a:t>
             </a:r>
             <a:r>
-              <a:rPr lang="en-US" sz="3399" spc="339" dirty="0" err="1" smtClean="0">
+              <a:rPr lang="en-US" sz="3399" spc="339" dirty="0" err="1">
                 <a:solidFill>
                   <a:srgbClr val="000000"/>
                 </a:solidFill>
@@ -6472,7 +6404,7 @@
               <a:t> </a:t>
             </a:r>
             <a:r>
-              <a:rPr lang="en-US" sz="3399" spc="339" dirty="0" err="1" smtClean="0">
+              <a:rPr lang="en-US" sz="3399" spc="339" dirty="0" err="1">
                 <a:solidFill>
                   <a:srgbClr val="000000"/>
                 </a:solidFill>
@@ -6483,7 +6415,7 @@
               <a:t>telas</a:t>
             </a:r>
             <a:r>
-              <a:rPr lang="en-US" sz="3399" spc="339" dirty="0" smtClean="0">
+              <a:rPr lang="en-US" sz="3399" spc="339" dirty="0">
                 <a:solidFill>
                   <a:srgbClr val="000000"/>
                 </a:solidFill>
@@ -6494,7 +6426,7 @@
               <a:t> </a:t>
             </a:r>
             <a:r>
-              <a:rPr lang="en-US" sz="3399" spc="339" dirty="0" err="1" smtClean="0">
+              <a:rPr lang="en-US" sz="3399" spc="339" dirty="0" err="1">
                 <a:solidFill>
                   <a:srgbClr val="000000"/>
                 </a:solidFill>
@@ -6505,7 +6437,7 @@
               <a:t>dentro</a:t>
             </a:r>
             <a:r>
-              <a:rPr lang="en-US" sz="3399" spc="339" dirty="0" smtClean="0">
+              <a:rPr lang="en-US" sz="3399" spc="339" dirty="0">
                 <a:solidFill>
                   <a:srgbClr val="000000"/>
                 </a:solidFill>
@@ -6516,7 +6448,7 @@
               <a:t> do </a:t>
             </a:r>
             <a:r>
-              <a:rPr lang="en-US" sz="3399" spc="339" dirty="0" err="1" smtClean="0">
+              <a:rPr lang="en-US" sz="3399" spc="339" dirty="0" err="1">
                 <a:solidFill>
                   <a:srgbClr val="000000"/>
                 </a:solidFill>
@@ -6527,7 +6459,7 @@
               <a:t>aplicativo</a:t>
             </a:r>
             <a:r>
-              <a:rPr lang="en-US" sz="3399" spc="339" dirty="0" smtClean="0">
+              <a:rPr lang="en-US" sz="3399" spc="339" dirty="0">
                 <a:solidFill>
                   <a:srgbClr val="000000"/>
                 </a:solidFill>
@@ -6544,7 +6476,7 @@
                 <a:spcPts val="4759"/>
               </a:lnSpc>
             </a:pPr>
-            <a:endParaRPr lang="en-US" sz="3399" spc="339" dirty="0" smtClean="0">
+            <a:endParaRPr lang="en-US" sz="3399" spc="339" dirty="0">
               <a:solidFill>
                 <a:srgbClr val="000000"/>
               </a:solidFill>
@@ -6562,7 +6494,7 @@
               <a:buChar char="•"/>
             </a:pPr>
             <a:r>
-              <a:rPr lang="en-US" sz="3399" spc="339" dirty="0" smtClean="0">
+              <a:rPr lang="en-US" sz="3399" spc="339" dirty="0">
                 <a:solidFill>
                   <a:srgbClr val="000000"/>
                 </a:solidFill>
@@ -6573,7 +6505,7 @@
               <a:t>O Navigator </a:t>
             </a:r>
             <a:r>
-              <a:rPr lang="en-US" sz="3399" spc="339" dirty="0" err="1" smtClean="0">
+              <a:rPr lang="en-US" sz="3399" spc="339" dirty="0" err="1">
                 <a:solidFill>
                   <a:srgbClr val="000000"/>
                 </a:solidFill>
@@ -6584,7 +6516,7 @@
               <a:t>utiliza</a:t>
             </a:r>
             <a:r>
-              <a:rPr lang="en-US" sz="3399" spc="339" dirty="0" smtClean="0">
+              <a:rPr lang="en-US" sz="3399" spc="339" dirty="0">
                 <a:solidFill>
                   <a:srgbClr val="000000"/>
                 </a:solidFill>
@@ -6595,7 +6527,7 @@
               <a:t> </a:t>
             </a:r>
             <a:r>
-              <a:rPr lang="en-US" sz="3399" spc="339" dirty="0" err="1" smtClean="0">
+              <a:rPr lang="en-US" sz="3399" spc="339" dirty="0" err="1">
                 <a:solidFill>
                   <a:srgbClr val="000000"/>
                 </a:solidFill>
@@ -6606,7 +6538,7 @@
               <a:t>dois</a:t>
             </a:r>
             <a:r>
-              <a:rPr lang="en-US" sz="3399" spc="339" dirty="0" smtClean="0">
+              <a:rPr lang="en-US" sz="3399" spc="339" dirty="0">
                 <a:solidFill>
                   <a:srgbClr val="000000"/>
                 </a:solidFill>
@@ -6617,7 +6549,7 @@
               <a:t> </a:t>
             </a:r>
             <a:r>
-              <a:rPr lang="en-US" sz="3399" spc="339" dirty="0" err="1" smtClean="0">
+              <a:rPr lang="en-US" sz="3399" spc="339" dirty="0" err="1">
                 <a:solidFill>
                   <a:srgbClr val="000000"/>
                 </a:solidFill>
@@ -6628,7 +6560,7 @@
               <a:t>métodos</a:t>
             </a:r>
             <a:r>
-              <a:rPr lang="en-US" sz="3399" spc="339" dirty="0" smtClean="0">
+              <a:rPr lang="en-US" sz="3399" spc="339" dirty="0">
                 <a:solidFill>
                   <a:srgbClr val="000000"/>
                 </a:solidFill>
@@ -6639,7 +6571,7 @@
               <a:t>: o </a:t>
             </a:r>
             <a:r>
-              <a:rPr lang="en-US" sz="3399" spc="339" dirty="0" err="1" smtClean="0">
+              <a:rPr lang="en-US" sz="3399" spc="339" dirty="0" err="1">
                 <a:solidFill>
                   <a:srgbClr val="000000"/>
                 </a:solidFill>
@@ -6650,7 +6582,7 @@
               <a:t>Navigator.push</a:t>
             </a:r>
             <a:r>
-              <a:rPr lang="en-US" sz="3399" spc="339" dirty="0" smtClean="0">
+              <a:rPr lang="en-US" sz="3399" spc="339" dirty="0">
                 <a:solidFill>
                   <a:srgbClr val="000000"/>
                 </a:solidFill>
@@ -6661,7 +6593,7 @@
               <a:t> e o </a:t>
             </a:r>
             <a:r>
-              <a:rPr lang="en-US" sz="3399" spc="339" dirty="0" err="1" smtClean="0">
+              <a:rPr lang="en-US" sz="3399" spc="339" dirty="0" err="1">
                 <a:solidFill>
                   <a:srgbClr val="000000"/>
                 </a:solidFill>
@@ -6672,7 +6604,7 @@
               <a:t>Navigator.pop</a:t>
             </a:r>
             <a:r>
-              <a:rPr lang="en-US" sz="3399" spc="339" dirty="0" smtClean="0">
+              <a:rPr lang="en-US" sz="3399" spc="339" dirty="0">
                 <a:solidFill>
                   <a:srgbClr val="000000"/>
                 </a:solidFill>
@@ -6695,13 +6627,6 @@
   <p:clrMapOvr>
     <a:masterClrMapping/>
   </p:clrMapOvr>
-  <p:timing>
-    <p:tnLst>
-      <p:par>
-        <p:cTn id="1" dur="indefinite" restart="never" nodeType="tmRoot"/>
-      </p:par>
-    </p:tnLst>
-  </p:timing>
 </p:sld>
 </file>
 
@@ -6749,7 +6674,7 @@
               </a:lnSpc>
             </a:pPr>
             <a:r>
-              <a:rPr lang="en-US" sz="5000" spc="300" dirty="0" smtClean="0">
+              <a:rPr lang="en-US" sz="5000" spc="300" dirty="0">
                 <a:solidFill>
                   <a:srgbClr val="2B4A9D"/>
                 </a:solidFill>
@@ -6758,7 +6683,7 @@
               <a:t>O </a:t>
             </a:r>
             <a:r>
-              <a:rPr lang="en-US" sz="5000" spc="300" dirty="0" err="1" smtClean="0">
+              <a:rPr lang="en-US" sz="5000" spc="300" dirty="0" err="1">
                 <a:solidFill>
                   <a:srgbClr val="2B4A9D"/>
                 </a:solidFill>
@@ -6767,7 +6692,7 @@
               <a:t>uso</a:t>
             </a:r>
             <a:r>
-              <a:rPr lang="en-US" sz="5000" spc="300" dirty="0" smtClean="0">
+              <a:rPr lang="en-US" sz="5000" spc="300" dirty="0">
                 <a:solidFill>
                   <a:srgbClr val="2B4A9D"/>
                 </a:solidFill>
@@ -6776,7 +6701,7 @@
               <a:t> do </a:t>
             </a:r>
             <a:r>
-              <a:rPr lang="en-US" sz="5000" spc="300" dirty="0" err="1" smtClean="0">
+              <a:rPr lang="en-US" sz="5000" spc="300" dirty="0" err="1">
                 <a:solidFill>
                   <a:srgbClr val="2B4A9D"/>
                 </a:solidFill>
@@ -6846,6 +6771,13 @@
               <a:srgbClr val="2B4A9D"/>
             </a:solidFill>
           </p:spPr>
+          <p:txBody>
+            <a:bodyPr/>
+            <a:lstStyle/>
+            <a:p>
+              <a:endParaRPr lang="pt-BR"/>
+            </a:p>
+          </p:txBody>
         </p:sp>
       </p:grpSp>
       <p:sp>
@@ -6877,7 +6809,7 @@
               <a:buChar char="•"/>
             </a:pPr>
             <a:r>
-              <a:rPr lang="pt-BR" sz="3400" dirty="0" smtClean="0">
+              <a:rPr lang="pt-BR" sz="3400" dirty="0">
                 <a:latin typeface="Lato" panose="020B0604020202020204" charset="0"/>
                 <a:ea typeface="Lato" panose="020B0604020202020204" charset="0"/>
                 <a:cs typeface="Lato" panose="020B0604020202020204" charset="0"/>
@@ -6885,7 +6817,7 @@
               <a:t>O método </a:t>
             </a:r>
             <a:r>
-              <a:rPr lang="pt-BR" sz="3400" dirty="0" err="1" smtClean="0">
+              <a:rPr lang="pt-BR" sz="3400" dirty="0" err="1">
                 <a:latin typeface="Lato" panose="020B0604020202020204" charset="0"/>
                 <a:ea typeface="Lato" panose="020B0604020202020204" charset="0"/>
                 <a:cs typeface="Lato" panose="020B0604020202020204" charset="0"/>
@@ -6893,7 +6825,7 @@
               <a:t>Navigator.push</a:t>
             </a:r>
             <a:r>
-              <a:rPr lang="pt-BR" sz="3400" dirty="0" smtClean="0">
+              <a:rPr lang="pt-BR" sz="3400" dirty="0">
                 <a:latin typeface="Lato" panose="020B0604020202020204" charset="0"/>
                 <a:ea typeface="Lato" panose="020B0604020202020204" charset="0"/>
                 <a:cs typeface="Lato" panose="020B0604020202020204" charset="0"/>
@@ -6907,7 +6839,7 @@
                 <a:spcPts val="4759"/>
               </a:lnSpc>
             </a:pPr>
-            <a:endParaRPr lang="pt-BR" sz="3600" spc="339" dirty="0" smtClean="0">
+            <a:endParaRPr lang="pt-BR" sz="3600" spc="339" dirty="0">
               <a:solidFill>
                 <a:srgbClr val="000000"/>
               </a:solidFill>
@@ -6925,7 +6857,7 @@
               <a:buChar char="•"/>
             </a:pPr>
             <a:r>
-              <a:rPr lang="en-US" sz="3399" spc="339" dirty="0" smtClean="0">
+              <a:rPr lang="en-US" sz="3399" spc="339" dirty="0">
                 <a:solidFill>
                   <a:srgbClr val="000000"/>
                 </a:solidFill>
@@ -6936,7 +6868,7 @@
               <a:t>Este </a:t>
             </a:r>
             <a:r>
-              <a:rPr lang="en-US" sz="3399" spc="339" dirty="0" err="1" smtClean="0">
+              <a:rPr lang="en-US" sz="3399" spc="339" dirty="0" err="1">
                 <a:solidFill>
                   <a:srgbClr val="000000"/>
                 </a:solidFill>
@@ -6947,7 +6879,7 @@
               <a:t>método</a:t>
             </a:r>
             <a:r>
-              <a:rPr lang="en-US" sz="3399" spc="339" dirty="0" smtClean="0">
+              <a:rPr lang="en-US" sz="3399" spc="339" dirty="0">
                 <a:solidFill>
                   <a:srgbClr val="000000"/>
                 </a:solidFill>
@@ -6958,7 +6890,7 @@
               <a:t> </a:t>
             </a:r>
             <a:r>
-              <a:rPr lang="en-US" sz="3399" spc="339" dirty="0" err="1" smtClean="0">
+              <a:rPr lang="en-US" sz="3399" spc="339" dirty="0" err="1">
                 <a:solidFill>
                   <a:srgbClr val="000000"/>
                 </a:solidFill>
@@ -6969,7 +6901,7 @@
               <a:t>utiliza</a:t>
             </a:r>
             <a:r>
-              <a:rPr lang="en-US" sz="3399" spc="339" dirty="0" smtClean="0">
+              <a:rPr lang="en-US" sz="3399" spc="339" dirty="0">
                 <a:solidFill>
                   <a:srgbClr val="000000"/>
                 </a:solidFill>
@@ -6980,7 +6912,7 @@
               <a:t> </a:t>
             </a:r>
             <a:r>
-              <a:rPr lang="en-US" sz="3399" spc="339" dirty="0" err="1" smtClean="0">
+              <a:rPr lang="en-US" sz="3399" spc="339" dirty="0" err="1">
                 <a:solidFill>
                   <a:srgbClr val="000000"/>
                 </a:solidFill>
@@ -6991,7 +6923,7 @@
               <a:t>dois</a:t>
             </a:r>
             <a:r>
-              <a:rPr lang="en-US" sz="3399" spc="339" dirty="0" smtClean="0">
+              <a:rPr lang="en-US" sz="3399" spc="339" dirty="0">
                 <a:solidFill>
                   <a:srgbClr val="000000"/>
                 </a:solidFill>
@@ -7002,7 +6934,7 @@
               <a:t> </a:t>
             </a:r>
             <a:r>
-              <a:rPr lang="en-US" sz="3399" spc="339" dirty="0" err="1" smtClean="0">
+              <a:rPr lang="en-US" sz="3399" spc="339" dirty="0" err="1">
                 <a:solidFill>
                   <a:srgbClr val="000000"/>
                 </a:solidFill>
@@ -7013,7 +6945,7 @@
               <a:t>argumentos</a:t>
             </a:r>
             <a:r>
-              <a:rPr lang="en-US" sz="3399" spc="339" dirty="0" smtClean="0">
+              <a:rPr lang="en-US" sz="3399" spc="339" dirty="0">
                 <a:solidFill>
                   <a:srgbClr val="000000"/>
                 </a:solidFill>
@@ -7024,7 +6956,7 @@
               <a:t>: o </a:t>
             </a:r>
             <a:r>
-              <a:rPr lang="en-US" sz="3399" spc="339" dirty="0" err="1" smtClean="0">
+              <a:rPr lang="en-US" sz="3399" spc="339" dirty="0" err="1">
                 <a:solidFill>
                   <a:srgbClr val="000000"/>
                 </a:solidFill>
@@ -7035,7 +6967,7 @@
               <a:t>contexto</a:t>
             </a:r>
             <a:r>
-              <a:rPr lang="en-US" sz="3399" spc="339" dirty="0" smtClean="0">
+              <a:rPr lang="en-US" sz="3399" spc="339" dirty="0">
                 <a:solidFill>
                   <a:srgbClr val="000000"/>
                 </a:solidFill>
@@ -7046,7 +6978,7 @@
               <a:t> </a:t>
             </a:r>
             <a:r>
-              <a:rPr lang="en-US" sz="3399" spc="339" dirty="0" err="1" smtClean="0">
+              <a:rPr lang="en-US" sz="3399" spc="339" dirty="0" err="1">
                 <a:solidFill>
                   <a:srgbClr val="000000"/>
                 </a:solidFill>
@@ -7057,7 +6989,7 @@
               <a:t>atual</a:t>
             </a:r>
             <a:r>
-              <a:rPr lang="en-US" sz="3399" spc="339" dirty="0" smtClean="0">
+              <a:rPr lang="en-US" sz="3399" spc="339" dirty="0">
                 <a:solidFill>
                   <a:srgbClr val="000000"/>
                 </a:solidFill>
@@ -7068,7 +7000,7 @@
               <a:t> e a </a:t>
             </a:r>
             <a:r>
-              <a:rPr lang="en-US" sz="3399" spc="339" dirty="0" err="1" smtClean="0">
+              <a:rPr lang="en-US" sz="3399" spc="339" dirty="0" err="1">
                 <a:solidFill>
                   <a:srgbClr val="000000"/>
                 </a:solidFill>
@@ -7079,7 +7011,7 @@
               <a:t>rota</a:t>
             </a:r>
             <a:r>
-              <a:rPr lang="en-US" sz="3399" spc="339" dirty="0" smtClean="0">
+              <a:rPr lang="en-US" sz="3399" spc="339" dirty="0">
                 <a:solidFill>
                   <a:srgbClr val="000000"/>
                 </a:solidFill>
@@ -7090,7 +7022,7 @@
               <a:t> para a nova </a:t>
             </a:r>
             <a:r>
-              <a:rPr lang="en-US" sz="3399" spc="339" dirty="0" err="1" smtClean="0">
+              <a:rPr lang="en-US" sz="3399" spc="339" dirty="0" err="1">
                 <a:solidFill>
                   <a:srgbClr val="000000"/>
                 </a:solidFill>
@@ -7101,7 +7033,7 @@
               <a:t>tela</a:t>
             </a:r>
             <a:r>
-              <a:rPr lang="en-US" sz="3399" spc="339" dirty="0" smtClean="0">
+              <a:rPr lang="en-US" sz="3399" spc="339" dirty="0">
                 <a:solidFill>
                   <a:srgbClr val="000000"/>
                 </a:solidFill>
@@ -7137,7 +7069,7 @@
           <a:lstStyle/>
           <a:p>
             <a:r>
-              <a:rPr lang="pt-BR" sz="2500" dirty="0" smtClean="0">
+              <a:rPr lang="pt-BR" sz="2500" dirty="0">
                 <a:latin typeface="Lato" panose="020B0604020202020204" charset="0"/>
                 <a:ea typeface="Lato" panose="020B0604020202020204" charset="0"/>
                 <a:cs typeface="Lato" panose="020B0604020202020204" charset="0"/>
@@ -7145,7 +7077,7 @@
               <a:t>Figura 01 – Uso do </a:t>
             </a:r>
             <a:r>
-              <a:rPr lang="pt-BR" sz="2500" dirty="0" err="1" smtClean="0">
+              <a:rPr lang="pt-BR" sz="2500" dirty="0" err="1">
                 <a:latin typeface="Lato" panose="020B0604020202020204" charset="0"/>
                 <a:ea typeface="Lato" panose="020B0604020202020204" charset="0"/>
                 <a:cs typeface="Lato" panose="020B0604020202020204" charset="0"/>
@@ -7236,13 +7168,6 @@
   <p:clrMapOvr>
     <a:masterClrMapping/>
   </p:clrMapOvr>
-  <p:timing>
-    <p:tnLst>
-      <p:par>
-        <p:cTn id="1" dur="indefinite" restart="never" nodeType="tmRoot"/>
-      </p:par>
-    </p:tnLst>
-  </p:timing>
 </p:sld>
 </file>
 
@@ -7290,7 +7215,7 @@
               </a:lnSpc>
             </a:pPr>
             <a:r>
-              <a:rPr lang="en-US" sz="5000" spc="300" dirty="0" smtClean="0">
+              <a:rPr lang="en-US" sz="5000" spc="300" dirty="0">
                 <a:solidFill>
                   <a:srgbClr val="2B4A9D"/>
                 </a:solidFill>
@@ -7299,7 +7224,7 @@
               <a:t>O </a:t>
             </a:r>
             <a:r>
-              <a:rPr lang="en-US" sz="5000" spc="300" dirty="0" err="1" smtClean="0">
+              <a:rPr lang="en-US" sz="5000" spc="300" dirty="0" err="1">
                 <a:solidFill>
                   <a:srgbClr val="2B4A9D"/>
                 </a:solidFill>
@@ -7308,7 +7233,7 @@
               <a:t>uso</a:t>
             </a:r>
             <a:r>
-              <a:rPr lang="en-US" sz="5000" spc="300" dirty="0" smtClean="0">
+              <a:rPr lang="en-US" sz="5000" spc="300" dirty="0">
                 <a:solidFill>
                   <a:srgbClr val="2B4A9D"/>
                 </a:solidFill>
@@ -7317,7 +7242,7 @@
               <a:t> do </a:t>
             </a:r>
             <a:r>
-              <a:rPr lang="en-US" sz="5000" spc="300" dirty="0" err="1" smtClean="0">
+              <a:rPr lang="en-US" sz="5000" spc="300" dirty="0" err="1">
                 <a:solidFill>
                   <a:srgbClr val="2B4A9D"/>
                 </a:solidFill>
@@ -7387,6 +7312,13 @@
               <a:srgbClr val="2B4A9D"/>
             </a:solidFill>
           </p:spPr>
+          <p:txBody>
+            <a:bodyPr/>
+            <a:lstStyle/>
+            <a:p>
+              <a:endParaRPr lang="pt-BR"/>
+            </a:p>
+          </p:txBody>
         </p:sp>
       </p:grpSp>
       <p:sp>
@@ -7527,18 +7459,7 @@
                 <a:ea typeface="Lato" panose="020B0604020202020204" charset="0"/>
                 <a:cs typeface="Lato" panose="020B0604020202020204" charset="0"/>
               </a:rPr>
-              <a:t> anterior</a:t>
-            </a:r>
-            <a:r>
-              <a:rPr lang="pt-BR" sz="3400" spc="339" dirty="0" smtClean="0">
-                <a:solidFill>
-                  <a:srgbClr val="000000"/>
-                </a:solidFill>
-                <a:latin typeface="Lato" panose="020B0604020202020204" charset="0"/>
-                <a:ea typeface="Lato" panose="020B0604020202020204" charset="0"/>
-                <a:cs typeface="Lato" panose="020B0604020202020204" charset="0"/>
-              </a:rPr>
-              <a:t>;</a:t>
+              <a:t> anterior;</a:t>
             </a:r>
           </a:p>
           <a:p>
@@ -7565,7 +7486,7 @@
               <a:buChar char="•"/>
             </a:pPr>
             <a:r>
-              <a:rPr lang="pt-BR" sz="3400" spc="339" dirty="0" smtClean="0">
+              <a:rPr lang="pt-BR" sz="3400" spc="339" dirty="0">
                 <a:solidFill>
                   <a:srgbClr val="000000"/>
                 </a:solidFill>
@@ -7601,7 +7522,7 @@
           <a:lstStyle/>
           <a:p>
             <a:r>
-              <a:rPr lang="pt-BR" sz="2500" dirty="0" smtClean="0">
+              <a:rPr lang="pt-BR" sz="2500" dirty="0">
                 <a:latin typeface="Lato" panose="020B0604020202020204" charset="0"/>
                 <a:ea typeface="Lato" panose="020B0604020202020204" charset="0"/>
                 <a:cs typeface="Lato" panose="020B0604020202020204" charset="0"/>
@@ -7609,7 +7530,7 @@
               <a:t>Figura 02 – Uso do </a:t>
             </a:r>
             <a:r>
-              <a:rPr lang="pt-BR" sz="2500" dirty="0" err="1" smtClean="0">
+              <a:rPr lang="pt-BR" sz="2500" dirty="0" err="1">
                 <a:latin typeface="Lato" panose="020B0604020202020204" charset="0"/>
                 <a:ea typeface="Lato" panose="020B0604020202020204" charset="0"/>
                 <a:cs typeface="Lato" panose="020B0604020202020204" charset="0"/>
@@ -7700,13 +7621,6 @@
   <p:clrMapOvr>
     <a:masterClrMapping/>
   </p:clrMapOvr>
-  <p:timing>
-    <p:tnLst>
-      <p:par>
-        <p:cTn id="1" dur="indefinite" restart="never" nodeType="tmRoot"/>
-      </p:par>
-    </p:tnLst>
-  </p:timing>
 </p:sld>
 </file>
 
@@ -7780,6 +7694,13 @@
               <a:srgbClr val="2B4A9D"/>
             </a:solidFill>
           </p:spPr>
+          <p:txBody>
+            <a:bodyPr/>
+            <a:lstStyle/>
+            <a:p>
+              <a:endParaRPr lang="pt-BR"/>
+            </a:p>
+          </p:txBody>
         </p:sp>
       </p:grpSp>
       <p:sp>
@@ -7806,7 +7727,7 @@
           <a:p>
             <a:pPr algn="just"/>
             <a:r>
-              <a:rPr lang="pt-BR" sz="3500" dirty="0" smtClean="0">
+              <a:rPr lang="pt-BR" sz="3500" dirty="0">
                 <a:latin typeface="Lato" panose="020B0604020202020204" charset="0"/>
                 <a:ea typeface="Lato" panose="020B0604020202020204" charset="0"/>
                 <a:cs typeface="Lato" panose="020B0604020202020204" charset="0"/>
@@ -7814,7 +7735,7 @@
               <a:t>O exemplo com o código-fonte utilizando o </a:t>
             </a:r>
             <a:r>
-              <a:rPr lang="pt-BR" sz="3500" dirty="0" err="1" smtClean="0">
+              <a:rPr lang="pt-BR" sz="3500" dirty="0" err="1">
                 <a:latin typeface="Lato" panose="020B0604020202020204" charset="0"/>
                 <a:ea typeface="Lato" panose="020B0604020202020204" charset="0"/>
                 <a:cs typeface="Lato" panose="020B0604020202020204" charset="0"/>
@@ -7822,23 +7743,15 @@
               <a:t>navigator</a:t>
             </a:r>
             <a:r>
-              <a:rPr lang="pt-BR" sz="3500" dirty="0" smtClean="0">
-                <a:latin typeface="Lato" panose="020B0604020202020204" charset="0"/>
-                <a:ea typeface="Lato" panose="020B0604020202020204" charset="0"/>
-                <a:cs typeface="Lato" panose="020B0604020202020204" charset="0"/>
-              </a:rPr>
-              <a:t> básico </a:t>
-            </a:r>
-            <a:r>
-              <a:rPr lang="pt-BR" sz="3500" dirty="0" smtClean="0">
-                <a:latin typeface="Lato" panose="020B0604020202020204" charset="0"/>
-                <a:ea typeface="Lato" panose="020B0604020202020204" charset="0"/>
-                <a:cs typeface="Lato" panose="020B0604020202020204" charset="0"/>
-              </a:rPr>
-              <a:t>encontra-se no arquivo </a:t>
-            </a:r>
-            <a:r>
-              <a:rPr lang="pt-BR" sz="3500" b="1" dirty="0" err="1" smtClean="0">
+              <a:rPr lang="pt-BR" sz="3500" dirty="0">
+                <a:latin typeface="Lato" panose="020B0604020202020204" charset="0"/>
+                <a:ea typeface="Lato" panose="020B0604020202020204" charset="0"/>
+                <a:cs typeface="Lato" panose="020B0604020202020204" charset="0"/>
+              </a:rPr>
+              <a:t> básico encontra-se no arquivo </a:t>
+            </a:r>
+            <a:r>
+              <a:rPr lang="pt-BR" sz="3500" b="1" dirty="0" err="1">
                 <a:latin typeface="Lato" panose="020B0604020202020204" charset="0"/>
                 <a:ea typeface="Lato" panose="020B0604020202020204" charset="0"/>
                 <a:cs typeface="Lato" panose="020B0604020202020204" charset="0"/>
@@ -7863,13 +7776,6 @@
   <p:clrMapOvr>
     <a:masterClrMapping/>
   </p:clrMapOvr>
-  <p:timing>
-    <p:tnLst>
-      <p:par>
-        <p:cTn id="1" dur="indefinite" restart="never" nodeType="tmRoot"/>
-      </p:par>
-    </p:tnLst>
-  </p:timing>
 </p:sld>
 </file>
 
@@ -7917,7 +7823,7 @@
               </a:lnSpc>
             </a:pPr>
             <a:r>
-              <a:rPr lang="en-US" sz="5000" spc="300" dirty="0" smtClean="0">
+              <a:rPr lang="en-US" sz="5000" spc="300" dirty="0">
                 <a:solidFill>
                   <a:srgbClr val="2B4A9D"/>
                 </a:solidFill>
@@ -7926,7 +7832,7 @@
               <a:t>O </a:t>
             </a:r>
             <a:r>
-              <a:rPr lang="en-US" sz="5000" spc="300" dirty="0" err="1" smtClean="0">
+              <a:rPr lang="en-US" sz="5000" spc="300" dirty="0" err="1">
                 <a:solidFill>
                   <a:srgbClr val="2B4A9D"/>
                 </a:solidFill>
@@ -7935,7 +7841,7 @@
               <a:t>uso</a:t>
             </a:r>
             <a:r>
-              <a:rPr lang="en-US" sz="5000" spc="300" dirty="0" smtClean="0">
+              <a:rPr lang="en-US" sz="5000" spc="300" dirty="0">
                 <a:solidFill>
                   <a:srgbClr val="2B4A9D"/>
                 </a:solidFill>
@@ -7944,7 +7850,7 @@
               <a:t> de </a:t>
             </a:r>
             <a:r>
-              <a:rPr lang="en-US" sz="5000" spc="300" dirty="0" err="1" smtClean="0">
+              <a:rPr lang="en-US" sz="5000" spc="300" dirty="0" err="1">
                 <a:solidFill>
                   <a:srgbClr val="2B4A9D"/>
                 </a:solidFill>
@@ -7953,7 +7859,7 @@
               <a:t>Rotas</a:t>
             </a:r>
             <a:r>
-              <a:rPr lang="en-US" sz="5000" spc="300" dirty="0" smtClean="0">
+              <a:rPr lang="en-US" sz="5000" spc="300" dirty="0">
                 <a:solidFill>
                   <a:srgbClr val="2B4A9D"/>
                 </a:solidFill>
@@ -7962,7 +7868,7 @@
               <a:t> </a:t>
             </a:r>
             <a:r>
-              <a:rPr lang="en-US" sz="5000" spc="300" dirty="0" err="1" smtClean="0">
+              <a:rPr lang="en-US" sz="5000" spc="300" dirty="0" err="1">
                 <a:solidFill>
                   <a:srgbClr val="2B4A9D"/>
                 </a:solidFill>
@@ -8032,6 +7938,13 @@
               <a:srgbClr val="2B4A9D"/>
             </a:solidFill>
           </p:spPr>
+          <p:txBody>
+            <a:bodyPr/>
+            <a:lstStyle/>
+            <a:p>
+              <a:endParaRPr lang="pt-BR"/>
+            </a:p>
+          </p:txBody>
         </p:sp>
       </p:grpSp>
       <p:sp>
@@ -8063,7 +7976,7 @@
               <a:buChar char="•"/>
             </a:pPr>
             <a:r>
-              <a:rPr lang="pt-BR" sz="3400" spc="339" dirty="0" smtClean="0">
+              <a:rPr lang="pt-BR" sz="3400" spc="339" dirty="0">
                 <a:solidFill>
                   <a:srgbClr val="000000"/>
                 </a:solidFill>
@@ -8074,7 +7987,7 @@
               <a:t>No roteamento nomeado, é definido uma tabela de rotas, com os nomes de rotas e seus respectivos </a:t>
             </a:r>
             <a:r>
-              <a:rPr lang="pt-BR" sz="3400" spc="339" dirty="0" err="1" smtClean="0">
+              <a:rPr lang="pt-BR" sz="3400" spc="339" dirty="0" err="1">
                 <a:solidFill>
                   <a:srgbClr val="000000"/>
                 </a:solidFill>
@@ -8085,7 +7998,7 @@
               <a:t>widgets</a:t>
             </a:r>
             <a:r>
-              <a:rPr lang="pt-BR" sz="3400" spc="339" dirty="0" smtClean="0">
+              <a:rPr lang="pt-BR" sz="3400" spc="339" dirty="0">
                 <a:solidFill>
                   <a:srgbClr val="000000"/>
                 </a:solidFill>
@@ -8122,7 +8035,7 @@
               <a:buChar char="•"/>
             </a:pPr>
             <a:r>
-              <a:rPr lang="pt-BR" sz="3400" spc="339" dirty="0" smtClean="0">
+              <a:rPr lang="pt-BR" sz="3400" spc="339" dirty="0">
                 <a:solidFill>
                   <a:srgbClr val="000000"/>
                 </a:solidFill>
@@ -8133,7 +8046,7 @@
               <a:t>Então, é possível navegar para um </a:t>
             </a:r>
             <a:r>
-              <a:rPr lang="pt-BR" sz="3400" spc="339" dirty="0" err="1" smtClean="0">
+              <a:rPr lang="pt-BR" sz="3400" spc="339" dirty="0" err="1">
                 <a:solidFill>
                   <a:srgbClr val="000000"/>
                 </a:solidFill>
@@ -8144,7 +8057,7 @@
               <a:t>widget</a:t>
             </a:r>
             <a:r>
-              <a:rPr lang="pt-BR" sz="3400" spc="339" dirty="0" smtClean="0">
+              <a:rPr lang="pt-BR" sz="3400" spc="339" dirty="0">
                 <a:solidFill>
                   <a:srgbClr val="000000"/>
                 </a:solidFill>
@@ -8181,7 +8094,7 @@
               <a:buChar char="•"/>
             </a:pPr>
             <a:r>
-              <a:rPr lang="pt-BR" sz="3400" spc="339" dirty="0" smtClean="0">
+              <a:rPr lang="pt-BR" sz="3400" spc="339" dirty="0">
                 <a:solidFill>
                   <a:srgbClr val="000000"/>
                 </a:solidFill>
@@ -8218,7 +8131,7 @@
               <a:buChar char="•"/>
             </a:pPr>
             <a:r>
-              <a:rPr lang="pt-BR" sz="3400" spc="339" dirty="0" smtClean="0">
+              <a:rPr lang="pt-BR" sz="3400" spc="339" dirty="0">
                 <a:solidFill>
                   <a:srgbClr val="000000"/>
                 </a:solidFill>
@@ -8241,13 +8154,6 @@
   <p:clrMapOvr>
     <a:masterClrMapping/>
   </p:clrMapOvr>
-  <p:timing>
-    <p:tnLst>
-      <p:par>
-        <p:cTn id="1" dur="indefinite" restart="never" nodeType="tmRoot"/>
-      </p:par>
-    </p:tnLst>
-  </p:timing>
 </p:sld>
 </file>
 
@@ -8321,6 +8227,13 @@
               <a:srgbClr val="2B4A9D"/>
             </a:solidFill>
           </p:spPr>
+          <p:txBody>
+            <a:bodyPr/>
+            <a:lstStyle/>
+            <a:p>
+              <a:endParaRPr lang="pt-BR"/>
+            </a:p>
+          </p:txBody>
         </p:sp>
       </p:grpSp>
       <p:sp>
@@ -8352,7 +8265,7 @@
               <a:buChar char="•"/>
             </a:pPr>
             <a:r>
-              <a:rPr lang="pt-BR" sz="3400" spc="339" dirty="0" smtClean="0">
+              <a:rPr lang="pt-BR" sz="3400" spc="339" dirty="0">
                 <a:solidFill>
                   <a:srgbClr val="000000"/>
                 </a:solidFill>
@@ -8389,7 +8302,7 @@
               <a:buChar char="•"/>
             </a:pPr>
             <a:r>
-              <a:rPr lang="pt-BR" sz="3400" spc="339" dirty="0" smtClean="0">
+              <a:rPr lang="pt-BR" sz="3400" spc="339" dirty="0">
                 <a:solidFill>
                   <a:srgbClr val="000000"/>
                 </a:solidFill>
@@ -8400,7 +8313,7 @@
               <a:t>A propriedade “</a:t>
             </a:r>
             <a:r>
-              <a:rPr lang="pt-BR" sz="3400" spc="339" dirty="0" err="1" smtClean="0">
+              <a:rPr lang="pt-BR" sz="3400" spc="339" dirty="0" err="1">
                 <a:solidFill>
                   <a:srgbClr val="000000"/>
                 </a:solidFill>
@@ -8411,7 +8324,7 @@
               <a:t>initialRoute</a:t>
             </a:r>
             <a:r>
-              <a:rPr lang="pt-BR" sz="3400" spc="339" dirty="0" smtClean="0">
+              <a:rPr lang="pt-BR" sz="3400" spc="339" dirty="0">
                 <a:solidFill>
                   <a:srgbClr val="000000"/>
                 </a:solidFill>
@@ -8448,7 +8361,7 @@
               <a:buChar char="•"/>
             </a:pPr>
             <a:r>
-              <a:rPr lang="pt-BR" sz="3400" spc="339" dirty="0" smtClean="0">
+              <a:rPr lang="pt-BR" sz="3400" spc="339" dirty="0">
                 <a:solidFill>
                   <a:srgbClr val="000000"/>
                 </a:solidFill>
@@ -8459,7 +8372,7 @@
               <a:t>A propriedade “</a:t>
             </a:r>
             <a:r>
-              <a:rPr lang="pt-BR" sz="3400" spc="339" dirty="0" err="1" smtClean="0">
+              <a:rPr lang="pt-BR" sz="3400" spc="339" dirty="0" err="1">
                 <a:solidFill>
                   <a:srgbClr val="000000"/>
                 </a:solidFill>
@@ -8470,7 +8383,7 @@
               <a:t>routes</a:t>
             </a:r>
             <a:r>
-              <a:rPr lang="pt-BR" sz="3400" spc="339" dirty="0" smtClean="0">
+              <a:rPr lang="pt-BR" sz="3400" spc="339" dirty="0">
                 <a:solidFill>
                   <a:srgbClr val="000000"/>
                 </a:solidFill>
@@ -8481,7 +8394,7 @@
               <a:t>” define as rotas nomeadas disponíveis e os </a:t>
             </a:r>
             <a:r>
-              <a:rPr lang="pt-BR" sz="3400" spc="339" dirty="0" err="1" smtClean="0">
+              <a:rPr lang="pt-BR" sz="3400" spc="339" dirty="0" err="1">
                 <a:solidFill>
                   <a:srgbClr val="000000"/>
                 </a:solidFill>
@@ -8500,18 +8413,7 @@
                 <a:ea typeface="Lato" panose="020B0604020202020204" charset="0"/>
                 <a:cs typeface="Lato" panose="020B0604020202020204" charset="0"/>
               </a:rPr>
-              <a:t> </a:t>
-            </a:r>
-            <a:r>
-              <a:rPr lang="pt-BR" sz="3400" spc="339" dirty="0" smtClean="0">
-                <a:solidFill>
-                  <a:srgbClr val="000000"/>
-                </a:solidFill>
-                <a:latin typeface="Lato" panose="020B0604020202020204" charset="0"/>
-                <a:ea typeface="Lato" panose="020B0604020202020204" charset="0"/>
-                <a:cs typeface="Lato" panose="020B0604020202020204" charset="0"/>
-              </a:rPr>
-              <a:t>que serão construídos ao navegar para essas rotas.</a:t>
+              <a:t> que serão construídos ao navegar para essas rotas.</a:t>
             </a:r>
           </a:p>
         </p:txBody>
@@ -8569,18 +8471,13 @@
           <a:lstStyle/>
           <a:p>
             <a:r>
-              <a:rPr lang="pt-BR" sz="2500" dirty="0" smtClean="0">
+              <a:rPr lang="pt-BR" sz="2500" dirty="0">
                 <a:latin typeface="Lato" panose="020B0604020202020204" charset="0"/>
                 <a:ea typeface="Lato" panose="020B0604020202020204" charset="0"/>
                 <a:cs typeface="Lato" panose="020B0604020202020204" charset="0"/>
               </a:rPr>
               <a:t>Figura 03 – Definição das rotas</a:t>
             </a:r>
-            <a:endParaRPr lang="pt-BR" sz="2500" dirty="0">
-              <a:latin typeface="Lato" panose="020B0604020202020204" charset="0"/>
-              <a:ea typeface="Lato" panose="020B0604020202020204" charset="0"/>
-              <a:cs typeface="Lato" panose="020B0604020202020204" charset="0"/>
-            </a:endParaRPr>
           </a:p>
         </p:txBody>
       </p:sp>
@@ -8594,13 +8491,6 @@
   <p:clrMapOvr>
     <a:masterClrMapping/>
   </p:clrMapOvr>
-  <p:timing>
-    <p:tnLst>
-      <p:par>
-        <p:cTn id="1" dur="indefinite" restart="never" nodeType="tmRoot"/>
-      </p:par>
-    </p:tnLst>
-  </p:timing>
 </p:sld>
 </file>
 
